--- a/Fase 3/Evidencias Grupales/Presentación final del Proyecto.pptx
+++ b/Fase 3/Evidencias Grupales/Presentación final del Proyecto.pptx
@@ -260,7 +260,7 @@
   </p:defaultTextStyle>
   <p:extLst>
     <p:ext uri="GoogleSlidesCustomDataVersion2">
-      <go:slidesCustomData xmlns:go="http://customooxmlschemas.google.com/" r:id="rId24" roundtripDataSignature="AMtx7mhG8oYngGydaQTyTTzeNJafTnG/Ag=="/>
+      <go:slidesCustomData xmlns:go="http://customooxmlschemas.google.com/" r:id="rId24" roundtripDataSignature="AMtx7mhuxSC1Tu13bd00i/NY+323W2ARdA=="/>
     </p:ext>
   </p:extLst>
 </p:presentation>
@@ -17516,36 +17516,9 @@
           </a:p>
         </p:txBody>
       </p:sp>
-      <p:pic>
-        <p:nvPicPr>
-          <p:cNvPr id="196" name="Google Shape;196;p14"/>
-          <p:cNvPicPr preferRelativeResize="0"/>
-          <p:nvPr/>
-        </p:nvPicPr>
-        <p:blipFill rotWithShape="1">
-          <a:blip r:embed="rId3">
-            <a:alphaModFix/>
-          </a:blip>
-          <a:srcRect b="0" l="0" r="0" t="0"/>
-          <a:stretch/>
-        </p:blipFill>
-        <p:spPr>
-          <a:xfrm>
-            <a:off x="5257483" y="1771049"/>
-            <a:ext cx="6811847" cy="3814634"/>
-          </a:xfrm>
-          <a:prstGeom prst="rect">
-            <a:avLst/>
-          </a:prstGeom>
-          <a:noFill/>
-          <a:ln>
-            <a:noFill/>
-          </a:ln>
-        </p:spPr>
-      </p:pic>
       <p:sp>
         <p:nvSpPr>
-          <p:cNvPr id="197" name="Google Shape;197;p14"/>
+          <p:cNvPr id="196" name="Google Shape;196;p14"/>
           <p:cNvSpPr/>
           <p:nvPr/>
         </p:nvSpPr>
@@ -17761,6 +17734,34 @@
           </a:p>
         </p:txBody>
       </p:sp>
+      <p:pic>
+        <p:nvPicPr>
+          <p:cNvPr id="197" name="Google Shape;197;p14"/>
+          <p:cNvPicPr preferRelativeResize="0"/>
+          <p:nvPr/>
+        </p:nvPicPr>
+        <p:blipFill>
+          <a:blip r:embed="rId3">
+            <a:alphaModFix/>
+          </a:blip>
+          <a:stretch>
+            <a:fillRect/>
+          </a:stretch>
+        </p:blipFill>
+        <p:spPr>
+          <a:xfrm>
+            <a:off x="5282100" y="1684950"/>
+            <a:ext cx="6739751" cy="3744300"/>
+          </a:xfrm>
+          <a:prstGeom prst="rect">
+            <a:avLst/>
+          </a:prstGeom>
+          <a:noFill/>
+          <a:ln>
+            <a:noFill/>
+          </a:ln>
+        </p:spPr>
+      </p:pic>
     </p:spTree>
   </p:cSld>
   <p:clrMapOvr>
@@ -17801,7 +17802,7 @@
             <a:tbl>
               <a:tblPr bandRow="1" firstRow="1">
                 <a:noFill/>
-                <a:tableStyleId>{C3C566FF-80B8-47A1-9E55-8D5E1C7CB652}</a:tableStyleId>
+                <a:tableStyleId>{B4463BF4-CC03-4486-8787-63AFF358DC0A}</a:tableStyleId>
               </a:tblPr>
               <a:tblGrid>
                 <a:gridCol w="1561300"/>
@@ -18260,8 +18261,8 @@
         </p:blipFill>
         <p:spPr>
           <a:xfrm>
-            <a:off x="389375" y="552325"/>
-            <a:ext cx="4489274" cy="2430825"/>
+            <a:off x="5648450" y="3449625"/>
+            <a:ext cx="3530420" cy="3173526"/>
           </a:xfrm>
           <a:prstGeom prst="rect">
             <a:avLst/>
@@ -18288,8 +18289,8 @@
         </p:blipFill>
         <p:spPr>
           <a:xfrm>
-            <a:off x="7260900" y="256100"/>
-            <a:ext cx="3651124" cy="3282025"/>
+            <a:off x="152400" y="331050"/>
+            <a:ext cx="4974500" cy="3338450"/>
           </a:xfrm>
           <a:prstGeom prst="rect">
             <a:avLst/>
@@ -18316,8 +18317,8 @@
         </p:blipFill>
         <p:spPr>
           <a:xfrm>
-            <a:off x="2771627" y="3368250"/>
-            <a:ext cx="4489274" cy="3012808"/>
+            <a:off x="6194475" y="248600"/>
+            <a:ext cx="5304000" cy="3173525"/>
           </a:xfrm>
           <a:prstGeom prst="rect">
             <a:avLst/>
@@ -22801,7 +22802,7 @@
             <a:tbl>
               <a:tblPr bandRow="1" firstRow="1">
                 <a:noFill/>
-                <a:tableStyleId>{C3C566FF-80B8-47A1-9E55-8D5E1C7CB652}</a:tableStyleId>
+                <a:tableStyleId>{B4463BF4-CC03-4486-8787-63AFF358DC0A}</a:tableStyleId>
               </a:tblPr>
               <a:tblGrid>
                 <a:gridCol w="2302375"/>
@@ -26546,9 +26547,9 @@
 </file>
 
 <file path=ppt/theme/theme1.xml><?xml version="1.0" encoding="utf-8"?>
-<a:theme xmlns:a="http://schemas.openxmlformats.org/drawingml/2006/main" xmlns:r="http://schemas.openxmlformats.org/officeDocument/2006/relationships">
+<a:theme xmlns:a="http://schemas.openxmlformats.org/drawingml/2006/main" xmlns:r="http://schemas.openxmlformats.org/officeDocument/2006/relationships" name="HeadlinesVTI">
   <a:themeElements>
-    <a:clrScheme name="Default">
+    <a:clrScheme name="AnalogousFromLightSeedRightStep">
       <a:dk1>
         <a:srgbClr val="000000"/>
       </a:dk1>
@@ -26556,34 +26557,34 @@
         <a:srgbClr val="FFFFFF"/>
       </a:lt1>
       <a:dk2>
-        <a:srgbClr val="158158"/>
+        <a:srgbClr val="243241"/>
       </a:dk2>
       <a:lt2>
-        <a:srgbClr val="F3F3F3"/>
+        <a:srgbClr val="E8E2E6"/>
       </a:lt2>
       <a:accent1>
-        <a:srgbClr val="058DC7"/>
+        <a:srgbClr val="64B27A"/>
       </a:accent1>
       <a:accent2>
-        <a:srgbClr val="50B432"/>
+        <a:srgbClr val="59AF95"/>
       </a:accent2>
       <a:accent3>
-        <a:srgbClr val="ED561B"/>
+        <a:srgbClr val="60ADB7"/>
       </a:accent3>
       <a:accent4>
-        <a:srgbClr val="EDEF00"/>
+        <a:srgbClr val="6999CF"/>
       </a:accent4>
       <a:accent5>
-        <a:srgbClr val="24CBE5"/>
+        <a:srgbClr val="8489D8"/>
       </a:accent5>
       <a:accent6>
-        <a:srgbClr val="64E572"/>
+        <a:srgbClr val="8F69CF"/>
       </a:accent6>
       <a:hlink>
-        <a:srgbClr val="2200CC"/>
+        <a:srgbClr val="AE699B"/>
       </a:hlink>
       <a:folHlink>
-        <a:srgbClr val="551A8B"/>
+        <a:srgbClr val="7F7F7F"/>
       </a:folHlink>
     </a:clrScheme>
     <a:fontScheme name="Office">
@@ -26825,9 +26826,9 @@
 </file>
 
 <file path=ppt/theme/theme2.xml><?xml version="1.0" encoding="utf-8"?>
-<a:theme xmlns:a="http://schemas.openxmlformats.org/drawingml/2006/main" xmlns:r="http://schemas.openxmlformats.org/officeDocument/2006/relationships" name="HeadlinesVTI">
+<a:theme xmlns:a="http://schemas.openxmlformats.org/drawingml/2006/main" xmlns:r="http://schemas.openxmlformats.org/officeDocument/2006/relationships">
   <a:themeElements>
-    <a:clrScheme name="AnalogousFromLightSeedRightStep">
+    <a:clrScheme name="Default">
       <a:dk1>
         <a:srgbClr val="000000"/>
       </a:dk1>
@@ -26835,34 +26836,34 @@
         <a:srgbClr val="FFFFFF"/>
       </a:lt1>
       <a:dk2>
-        <a:srgbClr val="243241"/>
+        <a:srgbClr val="158158"/>
       </a:dk2>
       <a:lt2>
-        <a:srgbClr val="E8E2E6"/>
+        <a:srgbClr val="F3F3F3"/>
       </a:lt2>
       <a:accent1>
-        <a:srgbClr val="64B27A"/>
+        <a:srgbClr val="058DC7"/>
       </a:accent1>
       <a:accent2>
-        <a:srgbClr val="59AF95"/>
+        <a:srgbClr val="50B432"/>
       </a:accent2>
       <a:accent3>
-        <a:srgbClr val="60ADB7"/>
+        <a:srgbClr val="ED561B"/>
       </a:accent3>
       <a:accent4>
-        <a:srgbClr val="6999CF"/>
+        <a:srgbClr val="EDEF00"/>
       </a:accent4>
       <a:accent5>
-        <a:srgbClr val="8489D8"/>
+        <a:srgbClr val="24CBE5"/>
       </a:accent5>
       <a:accent6>
-        <a:srgbClr val="8F69CF"/>
+        <a:srgbClr val="64E572"/>
       </a:accent6>
       <a:hlink>
-        <a:srgbClr val="AE699B"/>
+        <a:srgbClr val="2200CC"/>
       </a:hlink>
       <a:folHlink>
-        <a:srgbClr val="7F7F7F"/>
+        <a:srgbClr val="551A8B"/>
       </a:folHlink>
     </a:clrScheme>
     <a:fontScheme name="Office">

--- a/Fase 3/Evidencias Grupales/Presentación final del Proyecto.pptx
+++ b/Fase 3/Evidencias Grupales/Presentación final del Proyecto.pptx
@@ -260,7 +260,7 @@
   </p:defaultTextStyle>
   <p:extLst>
     <p:ext uri="GoogleSlidesCustomDataVersion2">
-      <go:slidesCustomData xmlns:go="http://customooxmlschemas.google.com/" r:id="rId24" roundtripDataSignature="AMtx7mhuxSC1Tu13bd00i/NY+323W2ARdA=="/>
+      <go:slidesCustomData xmlns:go="http://customooxmlschemas.google.com/" r:id="rId24" roundtripDataSignature="AMtx7mgGFdG/qMKJbt7qAQ3iEOCMe8INWQ=="/>
     </p:ext>
   </p:extLst>
 </p:presentation>
@@ -796,7 +796,7 @@
   <p:cSld>
     <p:spTree>
       <p:nvGrpSpPr>
-        <p:cNvPr id="177" name="Shape 177"/>
+        <p:cNvPr id="178" name="Shape 178"/>
         <p:cNvGrpSpPr/>
         <p:nvPr/>
       </p:nvGrpSpPr>
@@ -810,7 +810,7 @@
       </p:grpSpPr>
       <p:sp>
         <p:nvSpPr>
-          <p:cNvPr id="178" name="Google Shape;178;p9:notes"/>
+          <p:cNvPr id="179" name="Google Shape;179;p9:notes"/>
           <p:cNvSpPr txBox="1"/>
           <p:nvPr>
             <p:ph idx="1" type="body"/>
@@ -849,7 +849,7 @@
       </p:sp>
       <p:sp>
         <p:nvSpPr>
-          <p:cNvPr id="179" name="Google Shape;179;p9:notes"/>
+          <p:cNvPr id="180" name="Google Shape;180;p9:notes"/>
           <p:cNvSpPr/>
           <p:nvPr>
             <p:ph idx="2" type="sldImg"/>
@@ -895,7 +895,7 @@
   <p:cSld>
     <p:spTree>
       <p:nvGrpSpPr>
-        <p:cNvPr id="187" name="Shape 187"/>
+        <p:cNvPr id="188" name="Shape 188"/>
         <p:cNvGrpSpPr/>
         <p:nvPr/>
       </p:nvGrpSpPr>
@@ -909,7 +909,7 @@
       </p:grpSpPr>
       <p:sp>
         <p:nvSpPr>
-          <p:cNvPr id="188" name="Google Shape;188;p14:notes"/>
+          <p:cNvPr id="189" name="Google Shape;189;p14:notes"/>
           <p:cNvSpPr txBox="1"/>
           <p:nvPr>
             <p:ph idx="1" type="body"/>
@@ -948,7 +948,7 @@
       </p:sp>
       <p:sp>
         <p:nvSpPr>
-          <p:cNvPr id="189" name="Google Shape;189;p14:notes"/>
+          <p:cNvPr id="190" name="Google Shape;190;p14:notes"/>
           <p:cNvSpPr/>
           <p:nvPr>
             <p:ph idx="2" type="sldImg"/>
@@ -994,7 +994,7 @@
   <p:cSld>
     <p:spTree>
       <p:nvGrpSpPr>
-        <p:cNvPr id="198" name="Shape 198"/>
+        <p:cNvPr id="199" name="Shape 199"/>
         <p:cNvGrpSpPr/>
         <p:nvPr/>
       </p:nvGrpSpPr>
@@ -1008,7 +1008,7 @@
       </p:grpSpPr>
       <p:sp>
         <p:nvSpPr>
-          <p:cNvPr id="199" name="Google Shape;199;p15:notes"/>
+          <p:cNvPr id="200" name="Google Shape;200;p15:notes"/>
           <p:cNvSpPr txBox="1"/>
           <p:nvPr>
             <p:ph idx="1" type="body"/>
@@ -1047,7 +1047,7 @@
       </p:sp>
       <p:sp>
         <p:nvSpPr>
-          <p:cNvPr id="200" name="Google Shape;200;p15:notes"/>
+          <p:cNvPr id="201" name="Google Shape;201;p15:notes"/>
           <p:cNvSpPr/>
           <p:nvPr>
             <p:ph idx="2" type="sldImg"/>
@@ -1093,7 +1093,7 @@
   <p:cSld>
     <p:spTree>
       <p:nvGrpSpPr>
-        <p:cNvPr id="204" name="Shape 204"/>
+        <p:cNvPr id="205" name="Shape 205"/>
         <p:cNvGrpSpPr/>
         <p:nvPr/>
       </p:nvGrpSpPr>
@@ -1107,7 +1107,7 @@
       </p:grpSpPr>
       <p:sp>
         <p:nvSpPr>
-          <p:cNvPr id="205" name="Google Shape;205;g31b02c4aca2_0_10:notes"/>
+          <p:cNvPr id="206" name="Google Shape;206;g31b02c4aca2_0_10:notes"/>
           <p:cNvSpPr txBox="1"/>
           <p:nvPr>
             <p:ph idx="1" type="body"/>
@@ -1146,7 +1146,7 @@
       </p:sp>
       <p:sp>
         <p:nvSpPr>
-          <p:cNvPr id="206" name="Google Shape;206;g31b02c4aca2_0_10:notes"/>
+          <p:cNvPr id="207" name="Google Shape;207;g31b02c4aca2_0_10:notes"/>
           <p:cNvSpPr/>
           <p:nvPr>
             <p:ph idx="2" type="sldImg"/>
@@ -1192,7 +1192,7 @@
   <p:cSld>
     <p:spTree>
       <p:nvGrpSpPr>
-        <p:cNvPr id="210" name="Shape 210"/>
+        <p:cNvPr id="211" name="Shape 211"/>
         <p:cNvGrpSpPr/>
         <p:nvPr/>
       </p:nvGrpSpPr>
@@ -1206,7 +1206,7 @@
       </p:grpSpPr>
       <p:sp>
         <p:nvSpPr>
-          <p:cNvPr id="211" name="Google Shape;211;g31b02c4aca2_0_5:notes"/>
+          <p:cNvPr id="212" name="Google Shape;212;g31b02c4aca2_0_5:notes"/>
           <p:cNvSpPr txBox="1"/>
           <p:nvPr>
             <p:ph idx="1" type="body"/>
@@ -1245,7 +1245,7 @@
       </p:sp>
       <p:sp>
         <p:nvSpPr>
-          <p:cNvPr id="212" name="Google Shape;212;g31b02c4aca2_0_5:notes"/>
+          <p:cNvPr id="213" name="Google Shape;213;g31b02c4aca2_0_5:notes"/>
           <p:cNvSpPr/>
           <p:nvPr>
             <p:ph idx="2" type="sldImg"/>
@@ -1291,7 +1291,7 @@
   <p:cSld>
     <p:spTree>
       <p:nvGrpSpPr>
-        <p:cNvPr id="215" name="Shape 215"/>
+        <p:cNvPr id="216" name="Shape 216"/>
         <p:cNvGrpSpPr/>
         <p:nvPr/>
       </p:nvGrpSpPr>
@@ -1305,7 +1305,7 @@
       </p:grpSpPr>
       <p:sp>
         <p:nvSpPr>
-          <p:cNvPr id="216" name="Google Shape;216;g31b02c4aca2_0_0:notes"/>
+          <p:cNvPr id="217" name="Google Shape;217;g31b02c4aca2_0_0:notes"/>
           <p:cNvSpPr txBox="1"/>
           <p:nvPr>
             <p:ph idx="1" type="body"/>
@@ -1344,7 +1344,7 @@
       </p:sp>
       <p:sp>
         <p:nvSpPr>
-          <p:cNvPr id="217" name="Google Shape;217;g31b02c4aca2_0_0:notes"/>
+          <p:cNvPr id="218" name="Google Shape;218;g31b02c4aca2_0_0:notes"/>
           <p:cNvSpPr/>
           <p:nvPr>
             <p:ph idx="2" type="sldImg"/>
@@ -1390,7 +1390,7 @@
   <p:cSld>
     <p:spTree>
       <p:nvGrpSpPr>
-        <p:cNvPr id="222" name="Shape 222"/>
+        <p:cNvPr id="224" name="Shape 224"/>
         <p:cNvGrpSpPr/>
         <p:nvPr/>
       </p:nvGrpSpPr>
@@ -1404,7 +1404,7 @@
       </p:grpSpPr>
       <p:sp>
         <p:nvSpPr>
-          <p:cNvPr id="223" name="Google Shape;223;p17:notes"/>
+          <p:cNvPr id="225" name="Google Shape;225;p17:notes"/>
           <p:cNvSpPr txBox="1"/>
           <p:nvPr>
             <p:ph idx="1" type="body"/>
@@ -1443,7 +1443,7 @@
       </p:sp>
       <p:sp>
         <p:nvSpPr>
-          <p:cNvPr id="224" name="Google Shape;224;p17:notes"/>
+          <p:cNvPr id="226" name="Google Shape;226;p17:notes"/>
           <p:cNvSpPr/>
           <p:nvPr>
             <p:ph idx="2" type="sldImg"/>
@@ -1489,7 +1489,7 @@
   <p:cSld>
     <p:spTree>
       <p:nvGrpSpPr>
-        <p:cNvPr id="243" name="Shape 243"/>
+        <p:cNvPr id="241" name="Shape 241"/>
         <p:cNvGrpSpPr/>
         <p:nvPr/>
       </p:nvGrpSpPr>
@@ -1503,7 +1503,7 @@
       </p:grpSpPr>
       <p:sp>
         <p:nvSpPr>
-          <p:cNvPr id="244" name="Google Shape;244;p18:notes"/>
+          <p:cNvPr id="242" name="Google Shape;242;p18:notes"/>
           <p:cNvSpPr txBox="1"/>
           <p:nvPr>
             <p:ph idx="1" type="body"/>
@@ -1542,7 +1542,7 @@
       </p:sp>
       <p:sp>
         <p:nvSpPr>
-          <p:cNvPr id="245" name="Google Shape;245;p18:notes"/>
+          <p:cNvPr id="243" name="Google Shape;243;p18:notes"/>
           <p:cNvSpPr/>
           <p:nvPr>
             <p:ph idx="2" type="sldImg"/>
@@ -1984,7 +1984,7 @@
   <p:cSld>
     <p:spTree>
       <p:nvGrpSpPr>
-        <p:cNvPr id="147" name="Shape 147"/>
+        <p:cNvPr id="148" name="Shape 148"/>
         <p:cNvGrpSpPr/>
         <p:nvPr/>
       </p:nvGrpSpPr>
@@ -1998,7 +1998,7 @@
       </p:grpSpPr>
       <p:sp>
         <p:nvSpPr>
-          <p:cNvPr id="148" name="Google Shape;148;p6:notes"/>
+          <p:cNvPr id="149" name="Google Shape;149;p6:notes"/>
           <p:cNvSpPr txBox="1"/>
           <p:nvPr>
             <p:ph idx="1" type="body"/>
@@ -2037,7 +2037,7 @@
       </p:sp>
       <p:sp>
         <p:nvSpPr>
-          <p:cNvPr id="149" name="Google Shape;149;p6:notes"/>
+          <p:cNvPr id="150" name="Google Shape;150;p6:notes"/>
           <p:cNvSpPr/>
           <p:nvPr>
             <p:ph idx="2" type="sldImg"/>
@@ -2083,7 +2083,7 @@
   <p:cSld>
     <p:spTree>
       <p:nvGrpSpPr>
-        <p:cNvPr id="155" name="Shape 155"/>
+        <p:cNvPr id="156" name="Shape 156"/>
         <p:cNvGrpSpPr/>
         <p:nvPr/>
       </p:nvGrpSpPr>
@@ -2097,7 +2097,7 @@
       </p:grpSpPr>
       <p:sp>
         <p:nvSpPr>
-          <p:cNvPr id="156" name="Google Shape;156;p7:notes"/>
+          <p:cNvPr id="157" name="Google Shape;157;p7:notes"/>
           <p:cNvSpPr txBox="1"/>
           <p:nvPr>
             <p:ph idx="1" type="body"/>
@@ -2136,7 +2136,7 @@
       </p:sp>
       <p:sp>
         <p:nvSpPr>
-          <p:cNvPr id="157" name="Google Shape;157;p7:notes"/>
+          <p:cNvPr id="158" name="Google Shape;158;p7:notes"/>
           <p:cNvSpPr/>
           <p:nvPr>
             <p:ph idx="2" type="sldImg"/>
@@ -2182,7 +2182,7 @@
   <p:cSld>
     <p:spTree>
       <p:nvGrpSpPr>
-        <p:cNvPr id="161" name="Shape 161"/>
+        <p:cNvPr id="162" name="Shape 162"/>
         <p:cNvGrpSpPr/>
         <p:nvPr/>
       </p:nvGrpSpPr>
@@ -2196,7 +2196,7 @@
       </p:grpSpPr>
       <p:sp>
         <p:nvSpPr>
-          <p:cNvPr id="162" name="Google Shape;162;g313d018f9a4_0_0:notes"/>
+          <p:cNvPr id="163" name="Google Shape;163;g313d018f9a4_0_0:notes"/>
           <p:cNvSpPr/>
           <p:nvPr>
             <p:ph idx="2" type="sldImg"/>
@@ -2231,7 +2231,7 @@
       </p:sp>
       <p:sp>
         <p:nvSpPr>
-          <p:cNvPr id="163" name="Google Shape;163;g313d018f9a4_0_0:notes"/>
+          <p:cNvPr id="164" name="Google Shape;164;g313d018f9a4_0_0:notes"/>
           <p:cNvSpPr txBox="1"/>
           <p:nvPr>
             <p:ph idx="1" type="body"/>
@@ -2281,7 +2281,7 @@
   <p:cSld>
     <p:spTree>
       <p:nvGrpSpPr>
-        <p:cNvPr id="166" name="Shape 166"/>
+        <p:cNvPr id="167" name="Shape 167"/>
         <p:cNvGrpSpPr/>
         <p:nvPr/>
       </p:nvGrpSpPr>
@@ -2295,7 +2295,7 @@
       </p:grpSpPr>
       <p:sp>
         <p:nvSpPr>
-          <p:cNvPr id="167" name="Google Shape;167;p8:notes"/>
+          <p:cNvPr id="168" name="Google Shape;168;p8:notes"/>
           <p:cNvSpPr txBox="1"/>
           <p:nvPr>
             <p:ph idx="1" type="body"/>
@@ -2334,7 +2334,7 @@
       </p:sp>
       <p:sp>
         <p:nvSpPr>
-          <p:cNvPr id="168" name="Google Shape;168;p8:notes"/>
+          <p:cNvPr id="169" name="Google Shape;169;p8:notes"/>
           <p:cNvSpPr/>
           <p:nvPr>
             <p:ph idx="2" type="sldImg"/>
@@ -16421,7 +16421,7 @@
     </p:bg>
     <p:spTree>
       <p:nvGrpSpPr>
-        <p:cNvPr id="180" name="Shape 180"/>
+        <p:cNvPr id="181" name="Shape 181"/>
         <p:cNvGrpSpPr/>
         <p:nvPr/>
       </p:nvGrpSpPr>
@@ -16435,7 +16435,7 @@
       </p:grpSpPr>
       <p:sp>
         <p:nvSpPr>
-          <p:cNvPr id="181" name="Google Shape;181;p9"/>
+          <p:cNvPr id="182" name="Google Shape;182;p9"/>
           <p:cNvSpPr/>
           <p:nvPr/>
         </p:nvSpPr>
@@ -16653,7 +16653,7 @@
       </p:sp>
       <p:cxnSp>
         <p:nvCxnSpPr>
-          <p:cNvPr id="182" name="Google Shape;182;p9"/>
+          <p:cNvPr id="183" name="Google Shape;183;p9"/>
           <p:cNvCxnSpPr/>
           <p:nvPr/>
         </p:nvCxnSpPr>
@@ -16679,7 +16679,7 @@
       </p:cxnSp>
       <p:sp>
         <p:nvSpPr>
-          <p:cNvPr id="183" name="Google Shape;183;p9"/>
+          <p:cNvPr id="184" name="Google Shape;184;p9"/>
           <p:cNvSpPr/>
           <p:nvPr/>
         </p:nvSpPr>
@@ -16730,7 +16730,7 @@
       </p:sp>
       <p:sp>
         <p:nvSpPr>
-          <p:cNvPr id="184" name="Google Shape;184;p9"/>
+          <p:cNvPr id="185" name="Google Shape;185;p9"/>
           <p:cNvSpPr/>
           <p:nvPr/>
         </p:nvSpPr>
@@ -16781,7 +16781,7 @@
       </p:sp>
       <p:sp>
         <p:nvSpPr>
-          <p:cNvPr id="185" name="Google Shape;185;p9"/>
+          <p:cNvPr id="186" name="Google Shape;186;p9"/>
           <p:cNvSpPr txBox="1"/>
           <p:nvPr>
             <p:ph type="title"/>
@@ -16837,7 +16837,7 @@
       </p:sp>
       <p:sp>
         <p:nvSpPr>
-          <p:cNvPr id="186" name="Google Shape;186;p9"/>
+          <p:cNvPr id="187" name="Google Shape;187;p9"/>
           <p:cNvSpPr/>
           <p:nvPr/>
         </p:nvSpPr>
@@ -17073,7 +17073,7 @@
     </p:bg>
     <p:spTree>
       <p:nvGrpSpPr>
-        <p:cNvPr id="190" name="Shape 190"/>
+        <p:cNvPr id="191" name="Shape 191"/>
         <p:cNvGrpSpPr/>
         <p:nvPr/>
       </p:nvGrpSpPr>
@@ -17087,7 +17087,7 @@
       </p:grpSpPr>
       <p:sp>
         <p:nvSpPr>
-          <p:cNvPr id="191" name="Google Shape;191;p14"/>
+          <p:cNvPr id="192" name="Google Shape;192;p14"/>
           <p:cNvSpPr/>
           <p:nvPr/>
         </p:nvSpPr>
@@ -17305,7 +17305,7 @@
       </p:sp>
       <p:cxnSp>
         <p:nvCxnSpPr>
-          <p:cNvPr id="192" name="Google Shape;192;p14"/>
+          <p:cNvPr id="193" name="Google Shape;193;p14"/>
           <p:cNvCxnSpPr/>
           <p:nvPr/>
         </p:nvCxnSpPr>
@@ -17331,7 +17331,7 @@
       </p:cxnSp>
       <p:sp>
         <p:nvSpPr>
-          <p:cNvPr id="193" name="Google Shape;193;p14"/>
+          <p:cNvPr id="194" name="Google Shape;194;p14"/>
           <p:cNvSpPr/>
           <p:nvPr/>
         </p:nvSpPr>
@@ -17382,7 +17382,7 @@
       </p:sp>
       <p:sp>
         <p:nvSpPr>
-          <p:cNvPr id="194" name="Google Shape;194;p14"/>
+          <p:cNvPr id="195" name="Google Shape;195;p14"/>
           <p:cNvSpPr/>
           <p:nvPr/>
         </p:nvSpPr>
@@ -17463,7 +17463,7 @@
       </p:sp>
       <p:sp>
         <p:nvSpPr>
-          <p:cNvPr id="195" name="Google Shape;195;p14"/>
+          <p:cNvPr id="196" name="Google Shape;196;p14"/>
           <p:cNvSpPr txBox="1"/>
           <p:nvPr>
             <p:ph idx="1" type="body"/>
@@ -17518,7 +17518,7 @@
       </p:sp>
       <p:sp>
         <p:nvSpPr>
-          <p:cNvPr id="196" name="Google Shape;196;p14"/>
+          <p:cNvPr id="197" name="Google Shape;197;p14"/>
           <p:cNvSpPr/>
           <p:nvPr/>
         </p:nvSpPr>
@@ -17736,7 +17736,7 @@
       </p:sp>
       <p:pic>
         <p:nvPicPr>
-          <p:cNvPr id="197" name="Google Shape;197;p14"/>
+          <p:cNvPr id="198" name="Google Shape;198;p14"/>
           <p:cNvPicPr preferRelativeResize="0"/>
           <p:nvPr/>
         </p:nvPicPr>
@@ -17775,7 +17775,7 @@
   <p:cSld>
     <p:spTree>
       <p:nvGrpSpPr>
-        <p:cNvPr id="201" name="Shape 201"/>
+        <p:cNvPr id="202" name="Shape 202"/>
         <p:cNvGrpSpPr/>
         <p:nvPr/>
       </p:nvGrpSpPr>
@@ -17789,7 +17789,7 @@
       </p:grpSpPr>
       <p:graphicFrame>
         <p:nvGraphicFramePr>
-          <p:cNvPr id="202" name="Google Shape;202;p15"/>
+          <p:cNvPr id="203" name="Google Shape;203;p15"/>
           <p:cNvGraphicFramePr/>
           <p:nvPr/>
         </p:nvGraphicFramePr>
@@ -17802,7 +17802,7 @@
             <a:tbl>
               <a:tblPr bandRow="1" firstRow="1">
                 <a:noFill/>
-                <a:tableStyleId>{B4463BF4-CC03-4486-8787-63AFF358DC0A}</a:tableStyleId>
+                <a:tableStyleId>{75811AAD-C8B0-4E10-995C-4DEA9F1E5B5F}</a:tableStyleId>
               </a:tblPr>
               <a:tblGrid>
                 <a:gridCol w="1561300"/>
@@ -17987,7 +17987,7 @@
                     <a:bodyPr/>
                     <a:lstStyle/>
                     <a:p>
-                      <a:pPr indent="0" lvl="0" marL="0" marR="0" rtl="0" algn="ctr">
+                      <a:pPr indent="0" lvl="0" marL="0" marR="0" rtl="0" algn="l">
                         <a:spcBef>
                           <a:spcPts val="0"/>
                         </a:spcBef>
@@ -17998,7 +17998,7 @@
                       </a:pPr>
                       <a:r>
                         <a:rPr lang="es-CL" sz="1400" u="none" cap="none" strike="noStrike"/>
-                        <a:t>AzureAD,GoogleID,Google Maps</a:t>
+                        <a:t>GoogleID,Google Maps</a:t>
                       </a:r>
                       <a:endParaRPr sz="1400" u="none" cap="none" strike="noStrike"/>
                     </a:p>
@@ -18012,7 +18012,7 @@
       </p:graphicFrame>
       <p:sp>
         <p:nvSpPr>
-          <p:cNvPr id="203" name="Google Shape;203;p15"/>
+          <p:cNvPr id="204" name="Google Shape;204;p15"/>
           <p:cNvSpPr txBox="1"/>
           <p:nvPr>
             <p:ph type="title"/>
@@ -18075,7 +18075,7 @@
   <p:cSld>
     <p:spTree>
       <p:nvGrpSpPr>
-        <p:cNvPr id="207" name="Shape 207"/>
+        <p:cNvPr id="208" name="Shape 208"/>
         <p:cNvGrpSpPr/>
         <p:nvPr/>
       </p:nvGrpSpPr>
@@ -18089,7 +18089,7 @@
       </p:grpSpPr>
       <p:sp>
         <p:nvSpPr>
-          <p:cNvPr id="208" name="Google Shape;208;g31b02c4aca2_0_10"/>
+          <p:cNvPr id="209" name="Google Shape;209;g31b02c4aca2_0_10"/>
           <p:cNvSpPr txBox="1"/>
           <p:nvPr>
             <p:ph type="title"/>
@@ -18141,7 +18141,7 @@
       </p:sp>
       <p:pic>
         <p:nvPicPr>
-          <p:cNvPr id="209" name="Google Shape;209;g31b02c4aca2_0_10"/>
+          <p:cNvPr id="210" name="Google Shape;210;g31b02c4aca2_0_10"/>
           <p:cNvPicPr preferRelativeResize="0"/>
           <p:nvPr/>
         </p:nvPicPr>
@@ -18155,8 +18155,8 @@
         </p:blipFill>
         <p:spPr>
           <a:xfrm>
-            <a:off x="863924" y="1677600"/>
-            <a:ext cx="10659377" cy="3996526"/>
+            <a:off x="151261" y="2193125"/>
+            <a:ext cx="11889476" cy="2950524"/>
           </a:xfrm>
           <a:prstGeom prst="rect">
             <a:avLst/>
@@ -18180,7 +18180,7 @@
   <p:cSld>
     <p:spTree>
       <p:nvGrpSpPr>
-        <p:cNvPr id="213" name="Shape 213"/>
+        <p:cNvPr id="214" name="Shape 214"/>
         <p:cNvGrpSpPr/>
         <p:nvPr/>
       </p:nvGrpSpPr>
@@ -18194,7 +18194,7 @@
       </p:grpSpPr>
       <p:pic>
         <p:nvPicPr>
-          <p:cNvPr id="214" name="Google Shape;214;g31b02c4aca2_0_5"/>
+          <p:cNvPr id="215" name="Google Shape;215;g31b02c4aca2_0_5"/>
           <p:cNvPicPr preferRelativeResize="0"/>
           <p:nvPr/>
         </p:nvPicPr>
@@ -18233,7 +18233,7 @@
   <p:cSld>
     <p:spTree>
       <p:nvGrpSpPr>
-        <p:cNvPr id="218" name="Shape 218"/>
+        <p:cNvPr id="219" name="Shape 219"/>
         <p:cNvGrpSpPr/>
         <p:nvPr/>
       </p:nvGrpSpPr>
@@ -18247,7 +18247,7 @@
       </p:grpSpPr>
       <p:pic>
         <p:nvPicPr>
-          <p:cNvPr id="219" name="Google Shape;219;g31b02c4aca2_0_0" title="Gráfico"/>
+          <p:cNvPr id="220" name="Google Shape;220;g31b02c4aca2_0_0" title="Gráfico"/>
           <p:cNvPicPr preferRelativeResize="0"/>
           <p:nvPr/>
         </p:nvPicPr>
@@ -18261,36 +18261,8 @@
         </p:blipFill>
         <p:spPr>
           <a:xfrm>
-            <a:off x="5648450" y="3449625"/>
+            <a:off x="1912750" y="3428300"/>
             <a:ext cx="3530420" cy="3173526"/>
-          </a:xfrm>
-          <a:prstGeom prst="rect">
-            <a:avLst/>
-          </a:prstGeom>
-          <a:noFill/>
-          <a:ln>
-            <a:noFill/>
-          </a:ln>
-        </p:spPr>
-      </p:pic>
-      <p:pic>
-        <p:nvPicPr>
-          <p:cNvPr id="220" name="Google Shape;220;g31b02c4aca2_0_0" title="Gráfico"/>
-          <p:cNvPicPr preferRelativeResize="0"/>
-          <p:nvPr/>
-        </p:nvPicPr>
-        <p:blipFill>
-          <a:blip r:embed="rId4">
-            <a:alphaModFix/>
-          </a:blip>
-          <a:stretch>
-            <a:fillRect/>
-          </a:stretch>
-        </p:blipFill>
-        <p:spPr>
-          <a:xfrm>
-            <a:off x="152400" y="331050"/>
-            <a:ext cx="4974500" cy="3338450"/>
           </a:xfrm>
           <a:prstGeom prst="rect">
             <a:avLst/>
@@ -18308,6 +18280,34 @@
           <p:nvPr/>
         </p:nvPicPr>
         <p:blipFill>
+          <a:blip r:embed="rId4">
+            <a:alphaModFix/>
+          </a:blip>
+          <a:stretch>
+            <a:fillRect/>
+          </a:stretch>
+        </p:blipFill>
+        <p:spPr>
+          <a:xfrm>
+            <a:off x="5648450" y="89850"/>
+            <a:ext cx="5303999" cy="3173525"/>
+          </a:xfrm>
+          <a:prstGeom prst="rect">
+            <a:avLst/>
+          </a:prstGeom>
+          <a:noFill/>
+          <a:ln>
+            <a:noFill/>
+          </a:ln>
+        </p:spPr>
+      </p:pic>
+      <p:pic>
+        <p:nvPicPr>
+          <p:cNvPr id="222" name="Google Shape;222;g31b02c4aca2_0_0" title="Gráfico"/>
+          <p:cNvPicPr preferRelativeResize="0"/>
+          <p:nvPr/>
+        </p:nvPicPr>
+        <p:blipFill>
           <a:blip r:embed="rId5">
             <a:alphaModFix/>
           </a:blip>
@@ -18317,7 +18317,7 @@
         </p:blipFill>
         <p:spPr>
           <a:xfrm>
-            <a:off x="6194475" y="248600"/>
+            <a:off x="5648450" y="3428300"/>
             <a:ext cx="5304000" cy="3173525"/>
           </a:xfrm>
           <a:prstGeom prst="rect">
@@ -18329,6 +18329,58 @@
           </a:ln>
         </p:spPr>
       </p:pic>
+      <p:sp>
+        <p:nvSpPr>
+          <p:cNvPr id="223" name="Google Shape;223;g31b02c4aca2_0_0"/>
+          <p:cNvSpPr txBox="1"/>
+          <p:nvPr>
+            <p:ph type="title"/>
+          </p:nvPr>
+        </p:nvSpPr>
+        <p:spPr>
+          <a:xfrm>
+            <a:off x="758950" y="758951"/>
+            <a:ext cx="3831300" cy="2014200"/>
+          </a:xfrm>
+          <a:prstGeom prst="rect">
+            <a:avLst/>
+          </a:prstGeom>
+          <a:noFill/>
+          <a:ln>
+            <a:noFill/>
+          </a:ln>
+        </p:spPr>
+        <p:txBody>
+          <a:bodyPr anchorCtr="0" anchor="t" bIns="45700" lIns="91425" spcFirstLastPara="1" rIns="91425" wrap="square" tIns="45700">
+            <a:normAutofit/>
+          </a:bodyPr>
+          <a:lstStyle/>
+          <a:p>
+            <a:pPr indent="0" lvl="0" marL="0" rtl="0" algn="l">
+              <a:lnSpc>
+                <a:spcPct val="90000"/>
+              </a:lnSpc>
+              <a:spcBef>
+                <a:spcPts val="0"/>
+              </a:spcBef>
+              <a:spcAft>
+                <a:spcPts val="0"/>
+              </a:spcAft>
+              <a:buClr>
+                <a:srgbClr val="262626"/>
+              </a:buClr>
+              <a:buSzPts val="6000"/>
+              <a:buFont typeface="Arial"/>
+              <a:buNone/>
+            </a:pPr>
+            <a:r>
+              <a:rPr lang="es-CL" sz="5400"/>
+              <a:t>Gráficos de pruebas</a:t>
+            </a:r>
+            <a:endParaRPr sz="5400"/>
+          </a:p>
+        </p:txBody>
+      </p:sp>
     </p:spTree>
   </p:cSld>
   <p:clrMapOvr>
@@ -18349,7 +18401,7 @@
     </p:bg>
     <p:spTree>
       <p:nvGrpSpPr>
-        <p:cNvPr id="225" name="Shape 225"/>
+        <p:cNvPr id="227" name="Shape 227"/>
         <p:cNvGrpSpPr/>
         <p:nvPr/>
       </p:nvGrpSpPr>
@@ -18363,58 +18415,7 @@
       </p:grpSpPr>
       <p:sp>
         <p:nvSpPr>
-          <p:cNvPr id="226" name="Google Shape;226;p17"/>
-          <p:cNvSpPr/>
-          <p:nvPr/>
-        </p:nvSpPr>
-        <p:spPr>
-          <a:xfrm>
-            <a:off x="0" y="0"/>
-            <a:ext cx="12192000" cy="6858000"/>
-          </a:xfrm>
-          <a:prstGeom prst="rect">
-            <a:avLst/>
-          </a:prstGeom>
-          <a:solidFill>
-            <a:schemeClr val="lt2"/>
-          </a:solidFill>
-          <a:ln>
-            <a:noFill/>
-          </a:ln>
-        </p:spPr>
-        <p:txBody>
-          <a:bodyPr anchorCtr="0" anchor="ctr" bIns="45700" lIns="91425" spcFirstLastPara="1" rIns="91425" wrap="square" tIns="45700">
-            <a:noAutofit/>
-          </a:bodyPr>
-          <a:lstStyle/>
-          <a:p>
-            <a:pPr indent="0" lvl="0" marL="0" marR="0" rtl="0" algn="ctr">
-              <a:spcBef>
-                <a:spcPts val="0"/>
-              </a:spcBef>
-              <a:spcAft>
-                <a:spcPts val="0"/>
-              </a:spcAft>
-              <a:buNone/>
-            </a:pPr>
-            <a:r>
-              <a:t/>
-            </a:r>
-            <a:endParaRPr sz="1800">
-              <a:solidFill>
-                <a:schemeClr val="lt1"/>
-              </a:solidFill>
-              <a:latin typeface="Avenir"/>
-              <a:ea typeface="Avenir"/>
-              <a:cs typeface="Avenir"/>
-              <a:sym typeface="Avenir"/>
-            </a:endParaRPr>
-          </a:p>
-        </p:txBody>
-      </p:sp>
-      <p:sp>
-        <p:nvSpPr>
-          <p:cNvPr id="227" name="Google Shape;227;p17"/>
+          <p:cNvPr id="228" name="Google Shape;228;p17"/>
           <p:cNvSpPr/>
           <p:nvPr/>
         </p:nvSpPr>
@@ -18465,7 +18466,7 @@
       </p:sp>
       <p:sp>
         <p:nvSpPr>
-          <p:cNvPr id="228" name="Google Shape;228;p17"/>
+          <p:cNvPr id="229" name="Google Shape;229;p17"/>
           <p:cNvSpPr txBox="1"/>
           <p:nvPr>
             <p:ph type="title"/>
@@ -18521,7 +18522,7 @@
       </p:sp>
       <p:sp>
         <p:nvSpPr>
-          <p:cNvPr id="229" name="Google Shape;229;p17"/>
+          <p:cNvPr id="230" name="Google Shape;230;p17"/>
           <p:cNvSpPr/>
           <p:nvPr/>
         </p:nvSpPr>
@@ -18739,13 +18740,13 @@
       </p:sp>
       <p:grpSp>
         <p:nvGrpSpPr>
-          <p:cNvPr id="230" name="Google Shape;230;p17"/>
+          <p:cNvPr id="231" name="Google Shape;231;p17"/>
           <p:cNvGrpSpPr/>
           <p:nvPr/>
         </p:nvGrpSpPr>
         <p:grpSpPr>
           <a:xfrm>
-            <a:off x="1006664" y="2620142"/>
+            <a:off x="-495361" y="2675117"/>
             <a:ext cx="10175625" cy="3150001"/>
             <a:chOff x="247711" y="13420"/>
             <a:chExt cx="10175625" cy="3150001"/>
@@ -18753,101 +18754,7 @@
         </p:grpSpPr>
         <p:sp>
           <p:nvSpPr>
-            <p:cNvPr id="231" name="Google Shape;231;p17"/>
-            <p:cNvSpPr/>
-            <p:nvPr/>
-          </p:nvSpPr>
-          <p:spPr>
-            <a:xfrm>
-              <a:off x="840024" y="13420"/>
-              <a:ext cx="1852875" cy="1852875"/>
-            </a:xfrm>
-            <a:prstGeom prst="round2DiagRect">
-              <a:avLst>
-                <a:gd fmla="val 29727" name="adj1"/>
-                <a:gd fmla="val 0" name="adj2"/>
-              </a:avLst>
-            </a:prstGeom>
-            <a:solidFill>
-              <a:schemeClr val="accent2"/>
-            </a:solidFill>
-            <a:ln>
-              <a:noFill/>
-            </a:ln>
-          </p:spPr>
-          <p:txBody>
-            <a:bodyPr anchorCtr="0" anchor="ctr" bIns="91425" lIns="91425" spcFirstLastPara="1" rIns="91425" wrap="square" tIns="91425">
-              <a:noAutofit/>
-            </a:bodyPr>
-            <a:lstStyle/>
-            <a:p>
-              <a:pPr indent="0" lvl="0" marL="0" rtl="0" algn="l">
-                <a:spcBef>
-                  <a:spcPts val="0"/>
-                </a:spcBef>
-                <a:spcAft>
-                  <a:spcPts val="0"/>
-                </a:spcAft>
-                <a:buNone/>
-              </a:pPr>
-              <a:r>
-                <a:t/>
-              </a:r>
-              <a:endParaRPr/>
-            </a:p>
-          </p:txBody>
-        </p:sp>
-        <p:sp>
-          <p:nvSpPr>
             <p:cNvPr id="232" name="Google Shape;232;p17"/>
-            <p:cNvSpPr/>
-            <p:nvPr/>
-          </p:nvSpPr>
-          <p:spPr>
-            <a:xfrm>
-              <a:off x="1234899" y="408295"/>
-              <a:ext cx="1063125" cy="1063125"/>
-            </a:xfrm>
-            <a:prstGeom prst="rect">
-              <a:avLst/>
-            </a:prstGeom>
-            <a:blipFill rotWithShape="1">
-              <a:blip r:embed="rId3">
-                <a:alphaModFix/>
-              </a:blip>
-              <a:stretch>
-                <a:fillRect b="0" l="0" r="0" t="0"/>
-              </a:stretch>
-            </a:blipFill>
-            <a:ln>
-              <a:noFill/>
-            </a:ln>
-          </p:spPr>
-          <p:txBody>
-            <a:bodyPr anchorCtr="0" anchor="ctr" bIns="91425" lIns="91425" spcFirstLastPara="1" rIns="91425" wrap="square" tIns="91425">
-              <a:noAutofit/>
-            </a:bodyPr>
-            <a:lstStyle/>
-            <a:p>
-              <a:pPr indent="0" lvl="0" marL="0" rtl="0" algn="l">
-                <a:spcBef>
-                  <a:spcPts val="0"/>
-                </a:spcBef>
-                <a:spcAft>
-                  <a:spcPts val="0"/>
-                </a:spcAft>
-                <a:buNone/>
-              </a:pPr>
-              <a:r>
-                <a:t/>
-              </a:r>
-              <a:endParaRPr/>
-            </a:p>
-          </p:txBody>
-        </p:sp>
-        <p:sp>
-          <p:nvSpPr>
-            <p:cNvPr id="233" name="Google Shape;233;p17"/>
             <p:cNvSpPr/>
             <p:nvPr/>
           </p:nvSpPr>
@@ -18888,73 +18795,7 @@
         </p:sp>
         <p:sp>
           <p:nvSpPr>
-            <p:cNvPr id="234" name="Google Shape;234;p17"/>
-            <p:cNvSpPr txBox="1"/>
-            <p:nvPr/>
-          </p:nvSpPr>
-          <p:spPr>
-            <a:xfrm>
-              <a:off x="247711" y="2443421"/>
-              <a:ext cx="3037500" cy="720000"/>
-            </a:xfrm>
-            <a:prstGeom prst="rect">
-              <a:avLst/>
-            </a:prstGeom>
-            <a:noFill/>
-            <a:ln>
-              <a:noFill/>
-            </a:ln>
-          </p:spPr>
-          <p:txBody>
-            <a:bodyPr anchorCtr="0" anchor="t" bIns="0" lIns="0" spcFirstLastPara="1" rIns="0" wrap="square" tIns="0">
-              <a:noAutofit/>
-            </a:bodyPr>
-            <a:lstStyle/>
-            <a:p>
-              <a:pPr indent="0" lvl="0" marL="0" marR="0" rtl="0" algn="ctr">
-                <a:lnSpc>
-                  <a:spcPct val="100000"/>
-                </a:lnSpc>
-                <a:spcBef>
-                  <a:spcPts val="0"/>
-                </a:spcBef>
-                <a:spcAft>
-                  <a:spcPts val="0"/>
-                </a:spcAft>
-                <a:buClr>
-                  <a:schemeClr val="dk1"/>
-                </a:buClr>
-                <a:buSzPts val="2200"/>
-                <a:buFont typeface="Avenir"/>
-                <a:buNone/>
-              </a:pPr>
-              <a:r>
-                <a:rPr lang="es-CL" sz="2200" cap="none">
-                  <a:solidFill>
-                    <a:schemeClr val="dk1"/>
-                  </a:solidFill>
-                  <a:latin typeface="Avenir"/>
-                  <a:ea typeface="Avenir"/>
-                  <a:cs typeface="Avenir"/>
-                  <a:sym typeface="Avenir"/>
-                </a:rPr>
-                <a:t>USO DE TOKENS JWT.</a:t>
-              </a:r>
-              <a:endParaRPr sz="2200">
-                <a:solidFill>
-                  <a:schemeClr val="dk1"/>
-                </a:solidFill>
-                <a:latin typeface="Avenir"/>
-                <a:ea typeface="Avenir"/>
-                <a:cs typeface="Avenir"/>
-                <a:sym typeface="Avenir"/>
-              </a:endParaRPr>
-            </a:p>
-          </p:txBody>
-        </p:sp>
-        <p:sp>
-          <p:nvSpPr>
-            <p:cNvPr id="235" name="Google Shape;235;p17"/>
+            <p:cNvPr id="233" name="Google Shape;233;p17"/>
             <p:cNvSpPr/>
             <p:nvPr/>
           </p:nvSpPr>
@@ -19000,7 +18841,7 @@
         </p:sp>
         <p:sp>
           <p:nvSpPr>
-            <p:cNvPr id="236" name="Google Shape;236;p17"/>
+            <p:cNvPr id="234" name="Google Shape;234;p17"/>
             <p:cNvSpPr/>
             <p:nvPr/>
           </p:nvSpPr>
@@ -19013,7 +18854,7 @@
               <a:avLst/>
             </a:prstGeom>
             <a:blipFill rotWithShape="1">
-              <a:blip r:embed="rId4">
+              <a:blip r:embed="rId3">
                 <a:alphaModFix/>
               </a:blip>
               <a:stretch>
@@ -19048,7 +18889,7 @@
         </p:sp>
         <p:sp>
           <p:nvSpPr>
-            <p:cNvPr id="237" name="Google Shape;237;p17"/>
+            <p:cNvPr id="235" name="Google Shape;235;p17"/>
             <p:cNvSpPr/>
             <p:nvPr/>
           </p:nvSpPr>
@@ -19089,7 +18930,7 @@
         </p:sp>
         <p:sp>
           <p:nvSpPr>
-            <p:cNvPr id="238" name="Google Shape;238;p17"/>
+            <p:cNvPr id="236" name="Google Shape;236;p17"/>
             <p:cNvSpPr txBox="1"/>
             <p:nvPr/>
           </p:nvSpPr>
@@ -19155,7 +18996,7 @@
         </p:sp>
         <p:sp>
           <p:nvSpPr>
-            <p:cNvPr id="239" name="Google Shape;239;p17"/>
+            <p:cNvPr id="237" name="Google Shape;237;p17"/>
             <p:cNvSpPr/>
             <p:nvPr/>
           </p:nvSpPr>
@@ -19201,7 +19042,7 @@
         </p:sp>
         <p:sp>
           <p:nvSpPr>
-            <p:cNvPr id="240" name="Google Shape;240;p17"/>
+            <p:cNvPr id="238" name="Google Shape;238;p17"/>
             <p:cNvSpPr/>
             <p:nvPr/>
           </p:nvSpPr>
@@ -19214,7 +19055,7 @@
               <a:avLst/>
             </a:prstGeom>
             <a:blipFill rotWithShape="1">
-              <a:blip r:embed="rId5">
+              <a:blip r:embed="rId4">
                 <a:alphaModFix/>
               </a:blip>
               <a:stretch>
@@ -19249,7 +19090,7 @@
         </p:sp>
         <p:sp>
           <p:nvSpPr>
-            <p:cNvPr id="241" name="Google Shape;241;p17"/>
+            <p:cNvPr id="239" name="Google Shape;239;p17"/>
             <p:cNvSpPr/>
             <p:nvPr/>
           </p:nvSpPr>
@@ -19290,7 +19131,7 @@
         </p:sp>
         <p:sp>
           <p:nvSpPr>
-            <p:cNvPr id="242" name="Google Shape;242;p17"/>
+            <p:cNvPr id="240" name="Google Shape;240;p17"/>
             <p:cNvSpPr txBox="1"/>
             <p:nvPr/>
           </p:nvSpPr>
@@ -19375,7 +19216,7 @@
     </p:bg>
     <p:spTree>
       <p:nvGrpSpPr>
-        <p:cNvPr id="246" name="Shape 246"/>
+        <p:cNvPr id="244" name="Shape 244"/>
         <p:cNvGrpSpPr/>
         <p:nvPr/>
       </p:nvGrpSpPr>
@@ -19389,7 +19230,7 @@
       </p:grpSpPr>
       <p:sp>
         <p:nvSpPr>
-          <p:cNvPr id="247" name="Google Shape;247;p18"/>
+          <p:cNvPr id="245" name="Google Shape;245;p18"/>
           <p:cNvSpPr/>
           <p:nvPr/>
         </p:nvSpPr>
@@ -19607,7 +19448,7 @@
       </p:sp>
       <p:cxnSp>
         <p:nvCxnSpPr>
-          <p:cNvPr id="248" name="Google Shape;248;p18"/>
+          <p:cNvPr id="246" name="Google Shape;246;p18"/>
           <p:cNvCxnSpPr/>
           <p:nvPr/>
         </p:nvCxnSpPr>
@@ -19633,7 +19474,7 @@
       </p:cxnSp>
       <p:sp>
         <p:nvSpPr>
-          <p:cNvPr id="249" name="Google Shape;249;p18"/>
+          <p:cNvPr id="247" name="Google Shape;247;p18"/>
           <p:cNvSpPr/>
           <p:nvPr/>
         </p:nvSpPr>
@@ -19684,7 +19525,7 @@
       </p:sp>
       <p:sp>
         <p:nvSpPr>
-          <p:cNvPr id="250" name="Google Shape;250;p18"/>
+          <p:cNvPr id="248" name="Google Shape;248;p18"/>
           <p:cNvSpPr/>
           <p:nvPr/>
         </p:nvSpPr>
@@ -19735,7 +19576,7 @@
       </p:sp>
       <p:sp>
         <p:nvSpPr>
-          <p:cNvPr id="251" name="Google Shape;251;p18"/>
+          <p:cNvPr id="249" name="Google Shape;249;p18"/>
           <p:cNvSpPr txBox="1"/>
           <p:nvPr>
             <p:ph type="title"/>
@@ -19791,7 +19632,7 @@
       </p:sp>
       <p:sp>
         <p:nvSpPr>
-          <p:cNvPr id="252" name="Google Shape;252;p18"/>
+          <p:cNvPr id="250" name="Google Shape;250;p18"/>
           <p:cNvSpPr/>
           <p:nvPr/>
         </p:nvSpPr>
@@ -21530,7 +21371,7 @@
 </file>
 
 <file path=ppt/slides/slide4.xml><?xml version="1.0" encoding="utf-8"?>
-<p:sld xmlns:a="http://schemas.openxmlformats.org/drawingml/2006/main" xmlns:r="http://schemas.openxmlformats.org/officeDocument/2006/relationships" xmlns:mc="http://schemas.openxmlformats.org/markup-compatibility/2006" xmlns:mv="urn:schemas-microsoft-com:mac:vml" xmlns:p="http://schemas.openxmlformats.org/presentationml/2006/main" xmlns:c="http://schemas.openxmlformats.org/drawingml/2006/chart" xmlns:dgm="http://schemas.openxmlformats.org/drawingml/2006/diagram" xmlns:o="urn:schemas-microsoft-com:office:office" xmlns:v="urn:schemas-microsoft-com:vml" xmlns:pvml="urn:schemas-microsoft-com:office:powerpoint" xmlns:com="http://schemas.openxmlformats.org/drawingml/2006/compatibility" xmlns:p14="http://schemas.microsoft.com/office/powerpoint/2010/main" xmlns:p15="http://schemas.microsoft.com/office/powerpoint/2012/main" xmlns:ahyp="http://schemas.microsoft.com/office/drawing/2018/hyperlinkcolor">
+<p:sld xmlns:a="http://schemas.openxmlformats.org/drawingml/2006/main" xmlns:r="http://schemas.openxmlformats.org/officeDocument/2006/relationships" xmlns:mc="http://schemas.openxmlformats.org/markup-compatibility/2006" xmlns:mv="urn:schemas-microsoft-com:mac:vml" xmlns:p="http://schemas.openxmlformats.org/presentationml/2006/main" xmlns:c="http://schemas.openxmlformats.org/drawingml/2006/chart" xmlns:dgm="http://schemas.openxmlformats.org/drawingml/2006/diagram" xmlns:o="urn:schemas-microsoft-com:office:office" xmlns:v="urn:schemas-microsoft-com:vml" xmlns:pvml="urn:schemas-microsoft-com:office:powerpoint" xmlns:com="http://schemas.openxmlformats.org/drawingml/2006/compatibility" xmlns:p14="http://schemas.microsoft.com/office/powerpoint/2010/main" xmlns:p15="http://schemas.microsoft.com/office/powerpoint/2012/main" xmlns:ahyp="http://schemas.microsoft.com/office/drawing/2018/hyperlinkcolor" show="0">
   <p:cSld>
     <p:bg>
       <p:bgPr>
@@ -21958,14 +21799,6 @@
                 </a:solidFill>
               </a:rPr>
             </a:br>
-            <a:r>
-              <a:rPr lang="es-CL" sz="7200">
-                <a:solidFill>
-                  <a:srgbClr val="FEFEFE"/>
-                </a:solidFill>
-              </a:rPr>
-              <a:t>Modelo canvas</a:t>
-            </a:r>
             <a:endParaRPr/>
           </a:p>
         </p:txBody>
@@ -22228,7 +22061,7 @@
         </p:blipFill>
         <p:spPr>
           <a:xfrm>
-            <a:off x="1284672" y="869675"/>
+            <a:off x="1284672" y="1250675"/>
             <a:ext cx="9877425" cy="4914900"/>
           </a:xfrm>
           <a:prstGeom prst="rect">
@@ -22256,7 +22089,7 @@
         </p:blipFill>
         <p:spPr>
           <a:xfrm>
-            <a:off x="7839650" y="1015100"/>
+            <a:off x="7839650" y="1396100"/>
             <a:ext cx="1383425" cy="1327175"/>
           </a:xfrm>
           <a:prstGeom prst="rect">
@@ -22268,6 +22101,59 @@
           </a:ln>
         </p:spPr>
       </p:pic>
+      <p:sp>
+        <p:nvSpPr>
+          <p:cNvPr id="147" name="Google Shape;147;p5"/>
+          <p:cNvSpPr txBox="1"/>
+          <p:nvPr/>
+        </p:nvSpPr>
+        <p:spPr>
+          <a:xfrm>
+            <a:off x="76200" y="152400"/>
+            <a:ext cx="6634500" cy="1182000"/>
+          </a:xfrm>
+          <a:prstGeom prst="rect">
+            <a:avLst/>
+          </a:prstGeom>
+          <a:noFill/>
+          <a:ln>
+            <a:noFill/>
+          </a:ln>
+        </p:spPr>
+        <p:txBody>
+          <a:bodyPr anchorCtr="0" anchor="t" bIns="91425" lIns="91425" spcFirstLastPara="1" rIns="91425" wrap="square" tIns="91425">
+            <a:spAutoFit/>
+          </a:bodyPr>
+          <a:lstStyle/>
+          <a:p>
+            <a:pPr indent="0" lvl="0" marL="0" rtl="0" algn="l">
+              <a:lnSpc>
+                <a:spcPct val="90000"/>
+              </a:lnSpc>
+              <a:spcBef>
+                <a:spcPts val="0"/>
+              </a:spcBef>
+              <a:spcAft>
+                <a:spcPts val="0"/>
+              </a:spcAft>
+              <a:buNone/>
+            </a:pPr>
+            <a:r>
+              <a:rPr i="1" lang="es-CL" sz="7200">
+                <a:solidFill>
+                  <a:schemeClr val="dk1"/>
+                </a:solidFill>
+              </a:rPr>
+              <a:t>Modelo canvas</a:t>
+            </a:r>
+            <a:endParaRPr>
+              <a:solidFill>
+                <a:schemeClr val="dk1"/>
+              </a:solidFill>
+            </a:endParaRPr>
+          </a:p>
+        </p:txBody>
+      </p:sp>
     </p:spTree>
   </p:cSld>
   <p:clrMapOvr>
@@ -22288,7 +22174,7 @@
     </p:bg>
     <p:spTree>
       <p:nvGrpSpPr>
-        <p:cNvPr id="150" name="Shape 150"/>
+        <p:cNvPr id="151" name="Shape 151"/>
         <p:cNvGrpSpPr/>
         <p:nvPr/>
       </p:nvGrpSpPr>
@@ -22302,7 +22188,7 @@
       </p:grpSpPr>
       <p:sp>
         <p:nvSpPr>
-          <p:cNvPr id="151" name="Google Shape;151;p6"/>
+          <p:cNvPr id="152" name="Google Shape;152;p6"/>
           <p:cNvSpPr/>
           <p:nvPr/>
         </p:nvSpPr>
@@ -22520,7 +22406,7 @@
       </p:sp>
       <p:sp>
         <p:nvSpPr>
-          <p:cNvPr id="152" name="Google Shape;152;p6"/>
+          <p:cNvPr id="153" name="Google Shape;153;p6"/>
           <p:cNvSpPr/>
           <p:nvPr/>
         </p:nvSpPr>
@@ -22571,7 +22457,7 @@
       </p:sp>
       <p:sp>
         <p:nvSpPr>
-          <p:cNvPr id="153" name="Google Shape;153;p6"/>
+          <p:cNvPr id="154" name="Google Shape;154;p6"/>
           <p:cNvSpPr/>
           <p:nvPr/>
         </p:nvSpPr>
@@ -22789,7 +22675,7 @@
       </p:sp>
       <p:graphicFrame>
         <p:nvGraphicFramePr>
-          <p:cNvPr id="154" name="Google Shape;154;p6"/>
+          <p:cNvPr id="155" name="Google Shape;155;p6"/>
           <p:cNvGraphicFramePr/>
           <p:nvPr/>
         </p:nvGraphicFramePr>
@@ -22802,7 +22688,7 @@
             <a:tbl>
               <a:tblPr bandRow="1" firstRow="1">
                 <a:noFill/>
-                <a:tableStyleId>{B4463BF4-CC03-4486-8787-63AFF358DC0A}</a:tableStyleId>
+                <a:tableStyleId>{75811AAD-C8B0-4E10-995C-4DEA9F1E5B5F}</a:tableStyleId>
               </a:tblPr>
               <a:tblGrid>
                 <a:gridCol w="2302375"/>
@@ -25683,7 +25569,7 @@
   <p:cSld>
     <p:spTree>
       <p:nvGrpSpPr>
-        <p:cNvPr id="158" name="Shape 158"/>
+        <p:cNvPr id="159" name="Shape 159"/>
         <p:cNvGrpSpPr/>
         <p:nvPr/>
       </p:nvGrpSpPr>
@@ -25697,7 +25583,7 @@
       </p:grpSpPr>
       <p:pic>
         <p:nvPicPr>
-          <p:cNvPr id="159" name="Google Shape;159;p7"/>
+          <p:cNvPr id="160" name="Google Shape;160;p7"/>
           <p:cNvPicPr preferRelativeResize="0"/>
           <p:nvPr/>
         </p:nvPicPr>
@@ -25724,7 +25610,7 @@
       </p:pic>
       <p:pic>
         <p:nvPicPr>
-          <p:cNvPr id="160" name="Google Shape;160;p7"/>
+          <p:cNvPr id="161" name="Google Shape;161;p7"/>
           <p:cNvPicPr preferRelativeResize="0"/>
           <p:nvPr/>
         </p:nvPicPr>
@@ -25762,7 +25648,7 @@
   <p:cSld>
     <p:spTree>
       <p:nvGrpSpPr>
-        <p:cNvPr id="164" name="Shape 164"/>
+        <p:cNvPr id="165" name="Shape 165"/>
         <p:cNvGrpSpPr/>
         <p:nvPr/>
       </p:nvGrpSpPr>
@@ -25776,7 +25662,7 @@
       </p:grpSpPr>
       <p:pic>
         <p:nvPicPr>
-          <p:cNvPr id="165" name="Google Shape;165;g313d018f9a4_0_0"/>
+          <p:cNvPr id="166" name="Google Shape;166;g313d018f9a4_0_0"/>
           <p:cNvPicPr preferRelativeResize="0"/>
           <p:nvPr/>
         </p:nvPicPr>
@@ -25822,7 +25708,7 @@
     </p:bg>
     <p:spTree>
       <p:nvGrpSpPr>
-        <p:cNvPr id="169" name="Shape 169"/>
+        <p:cNvPr id="170" name="Shape 170"/>
         <p:cNvGrpSpPr/>
         <p:nvPr/>
       </p:nvGrpSpPr>
@@ -25836,7 +25722,7 @@
       </p:grpSpPr>
       <p:sp>
         <p:nvSpPr>
-          <p:cNvPr id="170" name="Google Shape;170;p8"/>
+          <p:cNvPr id="171" name="Google Shape;171;p8"/>
           <p:cNvSpPr/>
           <p:nvPr/>
         </p:nvSpPr>
@@ -26054,7 +25940,7 @@
       </p:sp>
       <p:cxnSp>
         <p:nvCxnSpPr>
-          <p:cNvPr id="171" name="Google Shape;171;p8"/>
+          <p:cNvPr id="172" name="Google Shape;172;p8"/>
           <p:cNvCxnSpPr/>
           <p:nvPr/>
         </p:nvCxnSpPr>
@@ -26080,7 +25966,7 @@
       </p:cxnSp>
       <p:sp>
         <p:nvSpPr>
-          <p:cNvPr id="172" name="Google Shape;172;p8"/>
+          <p:cNvPr id="173" name="Google Shape;173;p8"/>
           <p:cNvSpPr/>
           <p:nvPr/>
         </p:nvSpPr>
@@ -26131,7 +26017,7 @@
       </p:sp>
       <p:sp>
         <p:nvSpPr>
-          <p:cNvPr id="173" name="Google Shape;173;p8"/>
+          <p:cNvPr id="174" name="Google Shape;174;p8"/>
           <p:cNvSpPr/>
           <p:nvPr/>
         </p:nvSpPr>
@@ -26212,7 +26098,7 @@
       </p:sp>
       <p:sp>
         <p:nvSpPr>
-          <p:cNvPr id="174" name="Google Shape;174;p8"/>
+          <p:cNvPr id="175" name="Google Shape;175;p8"/>
           <p:cNvSpPr txBox="1"/>
           <p:nvPr>
             <p:ph type="title"/>
@@ -26220,8 +26106,8 @@
         </p:nvSpPr>
         <p:spPr>
           <a:xfrm>
-            <a:off x="758952" y="1128811"/>
-            <a:ext cx="3447288" cy="3342290"/>
+            <a:off x="358450" y="1128800"/>
+            <a:ext cx="4340100" cy="3342300"/>
           </a:xfrm>
           <a:prstGeom prst="rect">
             <a:avLst/>
@@ -26264,7 +26150,7 @@
                 <a:cs typeface="Arial"/>
                 <a:sym typeface="Arial"/>
               </a:rPr>
-              <a:t>Metología:</a:t>
+              <a:t>Metodología:</a:t>
             </a:r>
             <a:br>
               <a:rPr i="1" lang="es-CL" sz="5400">
@@ -26295,7 +26181,7 @@
       </p:sp>
       <p:sp>
         <p:nvSpPr>
-          <p:cNvPr id="175" name="Google Shape;175;p8"/>
+          <p:cNvPr id="176" name="Google Shape;176;p8"/>
           <p:cNvSpPr/>
           <p:nvPr/>
         </p:nvSpPr>
@@ -26513,7 +26399,7 @@
       </p:sp>
       <p:pic>
         <p:nvPicPr>
-          <p:cNvPr descr="Diagrama&#10;&#10;Descripción generada automáticamente" id="176" name="Google Shape;176;p8"/>
+          <p:cNvPr descr="Diagrama&#10;&#10;Descripción generada automáticamente" id="177" name="Google Shape;177;p8"/>
           <p:cNvPicPr preferRelativeResize="0"/>
           <p:nvPr/>
         </p:nvPicPr>
@@ -26547,9 +26433,9 @@
 </file>
 
 <file path=ppt/theme/theme1.xml><?xml version="1.0" encoding="utf-8"?>
-<a:theme xmlns:a="http://schemas.openxmlformats.org/drawingml/2006/main" xmlns:r="http://schemas.openxmlformats.org/officeDocument/2006/relationships" name="HeadlinesVTI">
+<a:theme xmlns:a="http://schemas.openxmlformats.org/drawingml/2006/main" xmlns:r="http://schemas.openxmlformats.org/officeDocument/2006/relationships">
   <a:themeElements>
-    <a:clrScheme name="AnalogousFromLightSeedRightStep">
+    <a:clrScheme name="Default">
       <a:dk1>
         <a:srgbClr val="000000"/>
       </a:dk1>
@@ -26557,34 +26443,34 @@
         <a:srgbClr val="FFFFFF"/>
       </a:lt1>
       <a:dk2>
-        <a:srgbClr val="243241"/>
+        <a:srgbClr val="158158"/>
       </a:dk2>
       <a:lt2>
-        <a:srgbClr val="E8E2E6"/>
+        <a:srgbClr val="F3F3F3"/>
       </a:lt2>
       <a:accent1>
-        <a:srgbClr val="64B27A"/>
+        <a:srgbClr val="058DC7"/>
       </a:accent1>
       <a:accent2>
-        <a:srgbClr val="59AF95"/>
+        <a:srgbClr val="50B432"/>
       </a:accent2>
       <a:accent3>
-        <a:srgbClr val="60ADB7"/>
+        <a:srgbClr val="ED561B"/>
       </a:accent3>
       <a:accent4>
-        <a:srgbClr val="6999CF"/>
+        <a:srgbClr val="EDEF00"/>
       </a:accent4>
       <a:accent5>
-        <a:srgbClr val="8489D8"/>
+        <a:srgbClr val="24CBE5"/>
       </a:accent5>
       <a:accent6>
-        <a:srgbClr val="8F69CF"/>
+        <a:srgbClr val="64E572"/>
       </a:accent6>
       <a:hlink>
-        <a:srgbClr val="AE699B"/>
+        <a:srgbClr val="2200CC"/>
       </a:hlink>
       <a:folHlink>
-        <a:srgbClr val="7F7F7F"/>
+        <a:srgbClr val="551A8B"/>
       </a:folHlink>
     </a:clrScheme>
     <a:fontScheme name="Office">
@@ -26826,9 +26712,9 @@
 </file>
 
 <file path=ppt/theme/theme2.xml><?xml version="1.0" encoding="utf-8"?>
-<a:theme xmlns:a="http://schemas.openxmlformats.org/drawingml/2006/main" xmlns:r="http://schemas.openxmlformats.org/officeDocument/2006/relationships">
+<a:theme xmlns:a="http://schemas.openxmlformats.org/drawingml/2006/main" xmlns:r="http://schemas.openxmlformats.org/officeDocument/2006/relationships" name="HeadlinesVTI">
   <a:themeElements>
-    <a:clrScheme name="Default">
+    <a:clrScheme name="AnalogousFromLightSeedRightStep">
       <a:dk1>
         <a:srgbClr val="000000"/>
       </a:dk1>
@@ -26836,34 +26722,34 @@
         <a:srgbClr val="FFFFFF"/>
       </a:lt1>
       <a:dk2>
-        <a:srgbClr val="158158"/>
+        <a:srgbClr val="243241"/>
       </a:dk2>
       <a:lt2>
-        <a:srgbClr val="F3F3F3"/>
+        <a:srgbClr val="E8E2E6"/>
       </a:lt2>
       <a:accent1>
-        <a:srgbClr val="058DC7"/>
+        <a:srgbClr val="64B27A"/>
       </a:accent1>
       <a:accent2>
-        <a:srgbClr val="50B432"/>
+        <a:srgbClr val="59AF95"/>
       </a:accent2>
       <a:accent3>
-        <a:srgbClr val="ED561B"/>
+        <a:srgbClr val="60ADB7"/>
       </a:accent3>
       <a:accent4>
-        <a:srgbClr val="EDEF00"/>
+        <a:srgbClr val="6999CF"/>
       </a:accent4>
       <a:accent5>
-        <a:srgbClr val="24CBE5"/>
+        <a:srgbClr val="8489D8"/>
       </a:accent5>
       <a:accent6>
-        <a:srgbClr val="64E572"/>
+        <a:srgbClr val="8F69CF"/>
       </a:accent6>
       <a:hlink>
-        <a:srgbClr val="2200CC"/>
+        <a:srgbClr val="AE699B"/>
       </a:hlink>
       <a:folHlink>
-        <a:srgbClr val="551A8B"/>
+        <a:srgbClr val="7F7F7F"/>
       </a:folHlink>
     </a:clrScheme>
     <a:fontScheme name="Office">

--- a/Fase 3/Evidencias Grupales/Presentación final del Proyecto.pptx
+++ b/Fase 3/Evidencias Grupales/Presentación final del Proyecto.pptx
@@ -260,7 +260,7 @@
   </p:defaultTextStyle>
   <p:extLst>
     <p:ext uri="GoogleSlidesCustomDataVersion2">
-      <go:slidesCustomData xmlns:go="http://customooxmlschemas.google.com/" r:id="rId24" roundtripDataSignature="AMtx7mgGFdG/qMKJbt7qAQ3iEOCMe8INWQ=="/>
+      <go:slidesCustomData xmlns:go="http://customooxmlschemas.google.com/" r:id="rId24" roundtripDataSignature="AMtx7miyHoeZPq8GUbFrZb2SDaYOx0sg7A=="/>
     </p:ext>
   </p:extLst>
 </p:presentation>
@@ -17802,7 +17802,7 @@
             <a:tbl>
               <a:tblPr bandRow="1" firstRow="1">
                 <a:noFill/>
-                <a:tableStyleId>{75811AAD-C8B0-4E10-995C-4DEA9F1E5B5F}</a:tableStyleId>
+                <a:tableStyleId>{0BFCCD18-DAC3-47DF-BF89-B9C54DAA567E}</a:tableStyleId>
               </a:tblPr>
               <a:tblGrid>
                 <a:gridCol w="1561300"/>
@@ -22688,7 +22688,7 @@
             <a:tbl>
               <a:tblPr bandRow="1" firstRow="1">
                 <a:noFill/>
-                <a:tableStyleId>{75811AAD-C8B0-4E10-995C-4DEA9F1E5B5F}</a:tableStyleId>
+                <a:tableStyleId>{0BFCCD18-DAC3-47DF-BF89-B9C54DAA567E}</a:tableStyleId>
               </a:tblPr>
               <a:tblGrid>
                 <a:gridCol w="2302375"/>
@@ -25587,17 +25587,18 @@
           <p:cNvPicPr preferRelativeResize="0"/>
           <p:nvPr/>
         </p:nvPicPr>
-        <p:blipFill rotWithShape="1">
+        <p:blipFill>
           <a:blip r:embed="rId3">
             <a:alphaModFix/>
           </a:blip>
-          <a:srcRect b="0" l="0" r="0" t="0"/>
-          <a:stretch/>
+          <a:stretch>
+            <a:fillRect/>
+          </a:stretch>
         </p:blipFill>
         <p:spPr>
           <a:xfrm>
-            <a:off x="209550" y="241433"/>
-            <a:ext cx="11772900" cy="4552950"/>
+            <a:off x="176700" y="362500"/>
+            <a:ext cx="11696698" cy="3892275"/>
           </a:xfrm>
           <a:prstGeom prst="rect">
             <a:avLst/>
@@ -25614,17 +25615,18 @@
           <p:cNvPicPr preferRelativeResize="0"/>
           <p:nvPr/>
         </p:nvPicPr>
-        <p:blipFill rotWithShape="1">
+        <p:blipFill>
           <a:blip r:embed="rId4">
             <a:alphaModFix/>
           </a:blip>
-          <a:srcRect b="0" l="0" r="0" t="0"/>
-          <a:stretch/>
+          <a:stretch>
+            <a:fillRect/>
+          </a:stretch>
         </p:blipFill>
         <p:spPr>
           <a:xfrm>
-            <a:off x="4792178" y="5092567"/>
-            <a:ext cx="2819400" cy="1524000"/>
+            <a:off x="3886850" y="4594375"/>
+            <a:ext cx="3476625" cy="1857375"/>
           </a:xfrm>
           <a:prstGeom prst="rect">
             <a:avLst/>

--- a/Fase 3/Evidencias Grupales/Presentación final del Proyecto.pptx
+++ b/Fase 3/Evidencias Grupales/Presentación final del Proyecto.pptx
@@ -260,7 +260,7 @@
   </p:defaultTextStyle>
   <p:extLst>
     <p:ext uri="GoogleSlidesCustomDataVersion2">
-      <go:slidesCustomData xmlns:go="http://customooxmlschemas.google.com/" r:id="rId24" roundtripDataSignature="AMtx7miyHoeZPq8GUbFrZb2SDaYOx0sg7A=="/>
+      <go:slidesCustomData xmlns:go="http://customooxmlschemas.google.com/" r:id="rId24" roundtripDataSignature="AMtx7mjOp5GmuFpljI/UdMEr2mmYYG8ZbQ=="/>
     </p:ext>
   </p:extLst>
 </p:presentation>
@@ -17802,7 +17802,7 @@
             <a:tbl>
               <a:tblPr bandRow="1" firstRow="1">
                 <a:noFill/>
-                <a:tableStyleId>{0BFCCD18-DAC3-47DF-BF89-B9C54DAA567E}</a:tableStyleId>
+                <a:tableStyleId>{F4C798E8-6B3E-4053-A603-8DA11BFA4D5A}</a:tableStyleId>
               </a:tblPr>
               <a:tblGrid>
                 <a:gridCol w="1561300"/>
@@ -22688,7 +22688,7 @@
             <a:tbl>
               <a:tblPr bandRow="1" firstRow="1">
                 <a:noFill/>
-                <a:tableStyleId>{0BFCCD18-DAC3-47DF-BF89-B9C54DAA567E}</a:tableStyleId>
+                <a:tableStyleId>{F4C798E8-6B3E-4053-A603-8DA11BFA4D5A}</a:tableStyleId>
               </a:tblPr>
               <a:tblGrid>
                 <a:gridCol w="2302375"/>
@@ -26435,9 +26435,9 @@
 </file>
 
 <file path=ppt/theme/theme1.xml><?xml version="1.0" encoding="utf-8"?>
-<a:theme xmlns:a="http://schemas.openxmlformats.org/drawingml/2006/main" xmlns:r="http://schemas.openxmlformats.org/officeDocument/2006/relationships">
+<a:theme xmlns:a="http://schemas.openxmlformats.org/drawingml/2006/main" xmlns:r="http://schemas.openxmlformats.org/officeDocument/2006/relationships" name="HeadlinesVTI">
   <a:themeElements>
-    <a:clrScheme name="Default">
+    <a:clrScheme name="AnalogousFromLightSeedRightStep">
       <a:dk1>
         <a:srgbClr val="000000"/>
       </a:dk1>
@@ -26445,34 +26445,34 @@
         <a:srgbClr val="FFFFFF"/>
       </a:lt1>
       <a:dk2>
-        <a:srgbClr val="158158"/>
+        <a:srgbClr val="243241"/>
       </a:dk2>
       <a:lt2>
-        <a:srgbClr val="F3F3F3"/>
+        <a:srgbClr val="E8E2E6"/>
       </a:lt2>
       <a:accent1>
-        <a:srgbClr val="058DC7"/>
+        <a:srgbClr val="64B27A"/>
       </a:accent1>
       <a:accent2>
-        <a:srgbClr val="50B432"/>
+        <a:srgbClr val="59AF95"/>
       </a:accent2>
       <a:accent3>
-        <a:srgbClr val="ED561B"/>
+        <a:srgbClr val="60ADB7"/>
       </a:accent3>
       <a:accent4>
-        <a:srgbClr val="EDEF00"/>
+        <a:srgbClr val="6999CF"/>
       </a:accent4>
       <a:accent5>
-        <a:srgbClr val="24CBE5"/>
+        <a:srgbClr val="8489D8"/>
       </a:accent5>
       <a:accent6>
-        <a:srgbClr val="64E572"/>
+        <a:srgbClr val="8F69CF"/>
       </a:accent6>
       <a:hlink>
-        <a:srgbClr val="2200CC"/>
+        <a:srgbClr val="AE699B"/>
       </a:hlink>
       <a:folHlink>
-        <a:srgbClr val="551A8B"/>
+        <a:srgbClr val="7F7F7F"/>
       </a:folHlink>
     </a:clrScheme>
     <a:fontScheme name="Office">
@@ -26714,9 +26714,9 @@
 </file>
 
 <file path=ppt/theme/theme2.xml><?xml version="1.0" encoding="utf-8"?>
-<a:theme xmlns:a="http://schemas.openxmlformats.org/drawingml/2006/main" xmlns:r="http://schemas.openxmlformats.org/officeDocument/2006/relationships" name="HeadlinesVTI">
+<a:theme xmlns:a="http://schemas.openxmlformats.org/drawingml/2006/main" xmlns:r="http://schemas.openxmlformats.org/officeDocument/2006/relationships">
   <a:themeElements>
-    <a:clrScheme name="AnalogousFromLightSeedRightStep">
+    <a:clrScheme name="Default">
       <a:dk1>
         <a:srgbClr val="000000"/>
       </a:dk1>
@@ -26724,34 +26724,34 @@
         <a:srgbClr val="FFFFFF"/>
       </a:lt1>
       <a:dk2>
-        <a:srgbClr val="243241"/>
+        <a:srgbClr val="158158"/>
       </a:dk2>
       <a:lt2>
-        <a:srgbClr val="E8E2E6"/>
+        <a:srgbClr val="F3F3F3"/>
       </a:lt2>
       <a:accent1>
-        <a:srgbClr val="64B27A"/>
+        <a:srgbClr val="058DC7"/>
       </a:accent1>
       <a:accent2>
-        <a:srgbClr val="59AF95"/>
+        <a:srgbClr val="50B432"/>
       </a:accent2>
       <a:accent3>
-        <a:srgbClr val="60ADB7"/>
+        <a:srgbClr val="ED561B"/>
       </a:accent3>
       <a:accent4>
-        <a:srgbClr val="6999CF"/>
+        <a:srgbClr val="EDEF00"/>
       </a:accent4>
       <a:accent5>
-        <a:srgbClr val="8489D8"/>
+        <a:srgbClr val="24CBE5"/>
       </a:accent5>
       <a:accent6>
-        <a:srgbClr val="8F69CF"/>
+        <a:srgbClr val="64E572"/>
       </a:accent6>
       <a:hlink>
-        <a:srgbClr val="AE699B"/>
+        <a:srgbClr val="2200CC"/>
       </a:hlink>
       <a:folHlink>
-        <a:srgbClr val="7F7F7F"/>
+        <a:srgbClr val="551A8B"/>
       </a:folHlink>
     </a:clrScheme>
     <a:fontScheme name="Office">

--- a/Fase 3/Evidencias Grupales/Presentación final del Proyecto.pptx
+++ b/Fase 3/Evidencias Grupales/Presentación final del Proyecto.pptx
@@ -260,7 +260,7 @@
   </p:defaultTextStyle>
   <p:extLst>
     <p:ext uri="GoogleSlidesCustomDataVersion2">
-      <go:slidesCustomData xmlns:go="http://customooxmlschemas.google.com/" r:id="rId24" roundtripDataSignature="AMtx7mjOp5GmuFpljI/UdMEr2mmYYG8ZbQ=="/>
+      <go:slidesCustomData xmlns:go="http://customooxmlschemas.google.com/" r:id="rId24" roundtripDataSignature="AMtx7mg/emdY7kHrfDgjBjv6HeowEFycog=="/>
     </p:ext>
   </p:extLst>
 </p:presentation>
@@ -17802,7 +17802,7 @@
             <a:tbl>
               <a:tblPr bandRow="1" firstRow="1">
                 <a:noFill/>
-                <a:tableStyleId>{F4C798E8-6B3E-4053-A603-8DA11BFA4D5A}</a:tableStyleId>
+                <a:tableStyleId>{F7137FBB-F6A6-4517-A535-3A3C996E446E}</a:tableStyleId>
               </a:tblPr>
               <a:tblGrid>
                 <a:gridCol w="1561300"/>
@@ -18097,8 +18097,8 @@
         </p:nvSpPr>
         <p:spPr>
           <a:xfrm>
-            <a:off x="581202" y="388652"/>
-            <a:ext cx="3831300" cy="4755000"/>
+            <a:off x="581200" y="388652"/>
+            <a:ext cx="3831300" cy="1030200"/>
           </a:xfrm>
           <a:prstGeom prst="rect">
             <a:avLst/>
@@ -18133,7 +18133,11 @@
             </a:pPr>
             <a:r>
               <a:rPr lang="es-CL" sz="5400"/>
-              <a:t>QA test</a:t>
+              <a:t>test </a:t>
+            </a:r>
+            <a:r>
+              <a:rPr lang="es-CL" sz="5400"/>
+              <a:t>QA</a:t>
             </a:r>
             <a:endParaRPr sz="5400"/>
           </a:p>
@@ -18208,8 +18212,8 @@
         </p:blipFill>
         <p:spPr>
           <a:xfrm>
-            <a:off x="1826175" y="1023938"/>
-            <a:ext cx="8982075" cy="4810125"/>
+            <a:off x="1076325" y="885075"/>
+            <a:ext cx="10039350" cy="5286375"/>
           </a:xfrm>
           <a:prstGeom prst="rect">
             <a:avLst/>
@@ -22688,7 +22692,7 @@
             <a:tbl>
               <a:tblPr bandRow="1" firstRow="1">
                 <a:noFill/>
-                <a:tableStyleId>{F4C798E8-6B3E-4053-A603-8DA11BFA4D5A}</a:tableStyleId>
+                <a:tableStyleId>{F7137FBB-F6A6-4517-A535-3A3C996E446E}</a:tableStyleId>
               </a:tblPr>
               <a:tblGrid>
                 <a:gridCol w="2302375"/>
@@ -26714,6 +26718,285 @@
 </file>
 
 <file path=ppt/theme/theme2.xml><?xml version="1.0" encoding="utf-8"?>
+<a:theme xmlns:a="http://schemas.openxmlformats.org/drawingml/2006/main" xmlns:r="http://schemas.openxmlformats.org/officeDocument/2006/relationships" name="HeadlinesVTI">
+  <a:themeElements>
+    <a:clrScheme name="AnalogousFromLightSeedRightStep">
+      <a:dk1>
+        <a:srgbClr val="000000"/>
+      </a:dk1>
+      <a:lt1>
+        <a:srgbClr val="FFFFFF"/>
+      </a:lt1>
+      <a:dk2>
+        <a:srgbClr val="243241"/>
+      </a:dk2>
+      <a:lt2>
+        <a:srgbClr val="E8E2E6"/>
+      </a:lt2>
+      <a:accent1>
+        <a:srgbClr val="64B27A"/>
+      </a:accent1>
+      <a:accent2>
+        <a:srgbClr val="59AF95"/>
+      </a:accent2>
+      <a:accent3>
+        <a:srgbClr val="60ADB7"/>
+      </a:accent3>
+      <a:accent4>
+        <a:srgbClr val="6999CF"/>
+      </a:accent4>
+      <a:accent5>
+        <a:srgbClr val="8489D8"/>
+      </a:accent5>
+      <a:accent6>
+        <a:srgbClr val="8F69CF"/>
+      </a:accent6>
+      <a:hlink>
+        <a:srgbClr val="AE699B"/>
+      </a:hlink>
+      <a:folHlink>
+        <a:srgbClr val="7F7F7F"/>
+      </a:folHlink>
+    </a:clrScheme>
+    <a:fontScheme name="Office">
+      <a:majorFont>
+        <a:latin typeface="Arial"/>
+        <a:ea typeface=""/>
+        <a:cs typeface=""/>
+        <a:font script="Jpan" typeface="ＭＳ Ｐゴシック"/>
+        <a:font script="Hang" typeface="맑은 고딕"/>
+        <a:font script="Hans" typeface="宋体"/>
+        <a:font script="Hant" typeface="新細明體"/>
+        <a:font script="Arab" typeface="Times New Roman"/>
+        <a:font script="Hebr" typeface="Times New Roman"/>
+        <a:font script="Thai" typeface="Angsana New"/>
+        <a:font script="Ethi" typeface="Nyala"/>
+        <a:font script="Beng" typeface="Vrinda"/>
+        <a:font script="Gujr" typeface="Shruti"/>
+        <a:font script="Khmr" typeface="MoolBoran"/>
+        <a:font script="Knda" typeface="Tunga"/>
+        <a:font script="Guru" typeface="Raavi"/>
+        <a:font script="Cans" typeface="Euphemia"/>
+        <a:font script="Cher" typeface="Plantagenet Cherokee"/>
+        <a:font script="Yiii" typeface="Microsoft Yi Baiti"/>
+        <a:font script="Tibt" typeface="Microsoft Himalaya"/>
+        <a:font script="Thaa" typeface="MV Boli"/>
+        <a:font script="Deva" typeface="Mangal"/>
+        <a:font script="Telu" typeface="Gautami"/>
+        <a:font script="Taml" typeface="Latha"/>
+        <a:font script="Syrc" typeface="Estrangelo Edessa"/>
+        <a:font script="Orya" typeface="Kalinga"/>
+        <a:font script="Mlym" typeface="Kartika"/>
+        <a:font script="Laoo" typeface="DokChampa"/>
+        <a:font script="Sinh" typeface="Iskoola Pota"/>
+        <a:font script="Mong" typeface="Mongolian Baiti"/>
+        <a:font script="Viet" typeface="Times New Roman"/>
+        <a:font script="Uigh" typeface="Microsoft Uighur"/>
+        <a:font script="Geor" typeface="Sylfaen"/>
+      </a:majorFont>
+      <a:minorFont>
+        <a:latin typeface="Arial"/>
+        <a:ea typeface=""/>
+        <a:cs typeface=""/>
+        <a:font script="Jpan" typeface="ＭＳ Ｐゴシック"/>
+        <a:font script="Hang" typeface="맑은 고딕"/>
+        <a:font script="Hans" typeface="宋体"/>
+        <a:font script="Hant" typeface="新細明體"/>
+        <a:font script="Arab" typeface="Arial"/>
+        <a:font script="Hebr" typeface="Arial"/>
+        <a:font script="Thai" typeface="Cordia New"/>
+        <a:font script="Ethi" typeface="Nyala"/>
+        <a:font script="Beng" typeface="Vrinda"/>
+        <a:font script="Gujr" typeface="Shruti"/>
+        <a:font script="Khmr" typeface="DaunPenh"/>
+        <a:font script="Knda" typeface="Tunga"/>
+        <a:font script="Guru" typeface="Raavi"/>
+        <a:font script="Cans" typeface="Euphemia"/>
+        <a:font script="Cher" typeface="Plantagenet Cherokee"/>
+        <a:font script="Yiii" typeface="Microsoft Yi Baiti"/>
+        <a:font script="Tibt" typeface="Microsoft Himalaya"/>
+        <a:font script="Thaa" typeface="MV Boli"/>
+        <a:font script="Deva" typeface="Mangal"/>
+        <a:font script="Telu" typeface="Gautami"/>
+        <a:font script="Taml" typeface="Latha"/>
+        <a:font script="Syrc" typeface="Estrangelo Edessa"/>
+        <a:font script="Orya" typeface="Kalinga"/>
+        <a:font script="Mlym" typeface="Kartika"/>
+        <a:font script="Laoo" typeface="DokChampa"/>
+        <a:font script="Sinh" typeface="Iskoola Pota"/>
+        <a:font script="Mong" typeface="Mongolian Baiti"/>
+        <a:font script="Viet" typeface="Arial"/>
+        <a:font script="Uigh" typeface="Microsoft Uighur"/>
+        <a:font script="Geor" typeface="Sylfaen"/>
+      </a:minorFont>
+    </a:fontScheme>
+    <a:fmtScheme name="Office">
+      <a:fillStyleLst>
+        <a:solidFill>
+          <a:schemeClr val="phClr"/>
+        </a:solidFill>
+        <a:gradFill rotWithShape="1">
+          <a:gsLst>
+            <a:gs pos="0">
+              <a:schemeClr val="phClr">
+                <a:tint val="50000"/>
+                <a:satMod val="300000"/>
+              </a:schemeClr>
+            </a:gs>
+            <a:gs pos="35000">
+              <a:schemeClr val="phClr">
+                <a:tint val="37000"/>
+                <a:satMod val="300000"/>
+              </a:schemeClr>
+            </a:gs>
+            <a:gs pos="100000">
+              <a:schemeClr val="phClr">
+                <a:tint val="15000"/>
+                <a:satMod val="350000"/>
+              </a:schemeClr>
+            </a:gs>
+          </a:gsLst>
+          <a:lin ang="16200000" scaled="1"/>
+        </a:gradFill>
+        <a:gradFill rotWithShape="1">
+          <a:gsLst>
+            <a:gs pos="0">
+              <a:schemeClr val="phClr">
+                <a:tint val="100000"/>
+                <a:shade val="100000"/>
+                <a:satMod val="130000"/>
+              </a:schemeClr>
+            </a:gs>
+            <a:gs pos="100000">
+              <a:schemeClr val="phClr">
+                <a:tint val="50000"/>
+                <a:shade val="100000"/>
+                <a:satMod val="350000"/>
+              </a:schemeClr>
+            </a:gs>
+          </a:gsLst>
+          <a:lin ang="16200000" scaled="0"/>
+        </a:gradFill>
+      </a:fillStyleLst>
+      <a:lnStyleLst>
+        <a:ln w="9525" cap="flat" cmpd="sng" algn="ctr">
+          <a:solidFill>
+            <a:schemeClr val="phClr">
+              <a:shade val="95000"/>
+              <a:satMod val="105000"/>
+            </a:schemeClr>
+          </a:solidFill>
+          <a:prstDash val="solid"/>
+        </a:ln>
+        <a:ln w="25400" cap="flat" cmpd="sng" algn="ctr">
+          <a:solidFill>
+            <a:schemeClr val="phClr"/>
+          </a:solidFill>
+          <a:prstDash val="solid"/>
+        </a:ln>
+        <a:ln w="38100" cap="flat" cmpd="sng" algn="ctr">
+          <a:solidFill>
+            <a:schemeClr val="phClr"/>
+          </a:solidFill>
+          <a:prstDash val="solid"/>
+        </a:ln>
+      </a:lnStyleLst>
+      <a:effectStyleLst>
+        <a:effectStyle>
+          <a:effectLst>
+            <a:outerShdw blurRad="40000" dist="20000" dir="5400000" rotWithShape="0">
+              <a:srgbClr val="000000">
+                <a:alpha val="38000"/>
+              </a:srgbClr>
+            </a:outerShdw>
+          </a:effectLst>
+        </a:effectStyle>
+        <a:effectStyle>
+          <a:effectLst>
+            <a:outerShdw blurRad="40000" dist="23000" dir="5400000" rotWithShape="0">
+              <a:srgbClr val="000000">
+                <a:alpha val="35000"/>
+              </a:srgbClr>
+            </a:outerShdw>
+          </a:effectLst>
+        </a:effectStyle>
+        <a:effectStyle>
+          <a:effectLst>
+            <a:outerShdw blurRad="40000" dist="23000" dir="5400000" rotWithShape="0">
+              <a:srgbClr val="000000">
+                <a:alpha val="35000"/>
+              </a:srgbClr>
+            </a:outerShdw>
+          </a:effectLst>
+          <a:scene3d>
+            <a:camera prst="orthographicFront">
+              <a:rot lat="0" lon="0" rev="0"/>
+            </a:camera>
+            <a:lightRig rig="threePt" dir="t">
+              <a:rot lat="0" lon="0" rev="1200000"/>
+            </a:lightRig>
+          </a:scene3d>
+          <a:sp3d>
+            <a:bevelT w="63500" h="25400"/>
+          </a:sp3d>
+        </a:effectStyle>
+      </a:effectStyleLst>
+      <a:bgFillStyleLst>
+        <a:solidFill>
+          <a:schemeClr val="phClr"/>
+        </a:solidFill>
+        <a:gradFill rotWithShape="1">
+          <a:gsLst>
+            <a:gs pos="0">
+              <a:schemeClr val="phClr">
+                <a:tint val="40000"/>
+                <a:satMod val="350000"/>
+              </a:schemeClr>
+            </a:gs>
+            <a:gs pos="40000">
+              <a:schemeClr val="phClr">
+                <a:tint val="45000"/>
+                <a:shade val="99000"/>
+                <a:satMod val="350000"/>
+              </a:schemeClr>
+            </a:gs>
+            <a:gs pos="100000">
+              <a:schemeClr val="phClr">
+                <a:shade val="20000"/>
+                <a:satMod val="255000"/>
+              </a:schemeClr>
+            </a:gs>
+          </a:gsLst>
+          <a:path path="circle">
+            <a:fillToRect l="50000" t="-80000" r="50000" b="180000"/>
+          </a:path>
+        </a:gradFill>
+        <a:gradFill rotWithShape="1">
+          <a:gsLst>
+            <a:gs pos="0">
+              <a:schemeClr val="phClr">
+                <a:tint val="80000"/>
+                <a:satMod val="300000"/>
+              </a:schemeClr>
+            </a:gs>
+            <a:gs pos="100000">
+              <a:schemeClr val="phClr">
+                <a:shade val="30000"/>
+                <a:satMod val="200000"/>
+              </a:schemeClr>
+            </a:gs>
+          </a:gsLst>
+          <a:path path="circle">
+            <a:fillToRect l="50000" t="50000" r="50000" b="50000"/>
+          </a:path>
+        </a:gradFill>
+      </a:bgFillStyleLst>
+    </a:fmtScheme>
+  </a:themeElements>
+</a:theme>
+</file>
+
+<file path=ppt/theme/theme3.xml><?xml version="1.0" encoding="utf-8"?>
 <a:theme xmlns:a="http://schemas.openxmlformats.org/drawingml/2006/main" xmlns:r="http://schemas.openxmlformats.org/officeDocument/2006/relationships">
   <a:themeElements>
     <a:clrScheme name="Default">
@@ -26990,283 +27273,4 @@
     </a:fmtScheme>
   </a:themeElements>
 </a:theme>
-</file>
-
-<file path=ppt/theme/theme3.xml><?xml version="1.0" encoding="utf-8"?>
-<a:theme xmlns:a="http://schemas.openxmlformats.org/drawingml/2006/main" xmlns:r="http://schemas.openxmlformats.org/officeDocument/2006/relationships" name="HeadlinesVTI">
-  <a:themeElements>
-    <a:clrScheme name="AnalogousFromLightSeedRightStep">
-      <a:dk1>
-        <a:srgbClr val="000000"/>
-      </a:dk1>
-      <a:lt1>
-        <a:srgbClr val="FFFFFF"/>
-      </a:lt1>
-      <a:dk2>
-        <a:srgbClr val="243241"/>
-      </a:dk2>
-      <a:lt2>
-        <a:srgbClr val="E8E2E6"/>
-      </a:lt2>
-      <a:accent1>
-        <a:srgbClr val="64B27A"/>
-      </a:accent1>
-      <a:accent2>
-        <a:srgbClr val="59AF95"/>
-      </a:accent2>
-      <a:accent3>
-        <a:srgbClr val="60ADB7"/>
-      </a:accent3>
-      <a:accent4>
-        <a:srgbClr val="6999CF"/>
-      </a:accent4>
-      <a:accent5>
-        <a:srgbClr val="8489D8"/>
-      </a:accent5>
-      <a:accent6>
-        <a:srgbClr val="8F69CF"/>
-      </a:accent6>
-      <a:hlink>
-        <a:srgbClr val="AE699B"/>
-      </a:hlink>
-      <a:folHlink>
-        <a:srgbClr val="7F7F7F"/>
-      </a:folHlink>
-    </a:clrScheme>
-    <a:fontScheme name="Office">
-      <a:majorFont>
-        <a:latin typeface="Arial"/>
-        <a:ea typeface=""/>
-        <a:cs typeface=""/>
-        <a:font script="Jpan" typeface="ＭＳ Ｐゴシック"/>
-        <a:font script="Hang" typeface="맑은 고딕"/>
-        <a:font script="Hans" typeface="宋体"/>
-        <a:font script="Hant" typeface="新細明體"/>
-        <a:font script="Arab" typeface="Times New Roman"/>
-        <a:font script="Hebr" typeface="Times New Roman"/>
-        <a:font script="Thai" typeface="Angsana New"/>
-        <a:font script="Ethi" typeface="Nyala"/>
-        <a:font script="Beng" typeface="Vrinda"/>
-        <a:font script="Gujr" typeface="Shruti"/>
-        <a:font script="Khmr" typeface="MoolBoran"/>
-        <a:font script="Knda" typeface="Tunga"/>
-        <a:font script="Guru" typeface="Raavi"/>
-        <a:font script="Cans" typeface="Euphemia"/>
-        <a:font script="Cher" typeface="Plantagenet Cherokee"/>
-        <a:font script="Yiii" typeface="Microsoft Yi Baiti"/>
-        <a:font script="Tibt" typeface="Microsoft Himalaya"/>
-        <a:font script="Thaa" typeface="MV Boli"/>
-        <a:font script="Deva" typeface="Mangal"/>
-        <a:font script="Telu" typeface="Gautami"/>
-        <a:font script="Taml" typeface="Latha"/>
-        <a:font script="Syrc" typeface="Estrangelo Edessa"/>
-        <a:font script="Orya" typeface="Kalinga"/>
-        <a:font script="Mlym" typeface="Kartika"/>
-        <a:font script="Laoo" typeface="DokChampa"/>
-        <a:font script="Sinh" typeface="Iskoola Pota"/>
-        <a:font script="Mong" typeface="Mongolian Baiti"/>
-        <a:font script="Viet" typeface="Times New Roman"/>
-        <a:font script="Uigh" typeface="Microsoft Uighur"/>
-        <a:font script="Geor" typeface="Sylfaen"/>
-      </a:majorFont>
-      <a:minorFont>
-        <a:latin typeface="Arial"/>
-        <a:ea typeface=""/>
-        <a:cs typeface=""/>
-        <a:font script="Jpan" typeface="ＭＳ Ｐゴシック"/>
-        <a:font script="Hang" typeface="맑은 고딕"/>
-        <a:font script="Hans" typeface="宋体"/>
-        <a:font script="Hant" typeface="新細明體"/>
-        <a:font script="Arab" typeface="Arial"/>
-        <a:font script="Hebr" typeface="Arial"/>
-        <a:font script="Thai" typeface="Cordia New"/>
-        <a:font script="Ethi" typeface="Nyala"/>
-        <a:font script="Beng" typeface="Vrinda"/>
-        <a:font script="Gujr" typeface="Shruti"/>
-        <a:font script="Khmr" typeface="DaunPenh"/>
-        <a:font script="Knda" typeface="Tunga"/>
-        <a:font script="Guru" typeface="Raavi"/>
-        <a:font script="Cans" typeface="Euphemia"/>
-        <a:font script="Cher" typeface="Plantagenet Cherokee"/>
-        <a:font script="Yiii" typeface="Microsoft Yi Baiti"/>
-        <a:font script="Tibt" typeface="Microsoft Himalaya"/>
-        <a:font script="Thaa" typeface="MV Boli"/>
-        <a:font script="Deva" typeface="Mangal"/>
-        <a:font script="Telu" typeface="Gautami"/>
-        <a:font script="Taml" typeface="Latha"/>
-        <a:font script="Syrc" typeface="Estrangelo Edessa"/>
-        <a:font script="Orya" typeface="Kalinga"/>
-        <a:font script="Mlym" typeface="Kartika"/>
-        <a:font script="Laoo" typeface="DokChampa"/>
-        <a:font script="Sinh" typeface="Iskoola Pota"/>
-        <a:font script="Mong" typeface="Mongolian Baiti"/>
-        <a:font script="Viet" typeface="Arial"/>
-        <a:font script="Uigh" typeface="Microsoft Uighur"/>
-        <a:font script="Geor" typeface="Sylfaen"/>
-      </a:minorFont>
-    </a:fontScheme>
-    <a:fmtScheme name="Office">
-      <a:fillStyleLst>
-        <a:solidFill>
-          <a:schemeClr val="phClr"/>
-        </a:solidFill>
-        <a:gradFill rotWithShape="1">
-          <a:gsLst>
-            <a:gs pos="0">
-              <a:schemeClr val="phClr">
-                <a:tint val="50000"/>
-                <a:satMod val="300000"/>
-              </a:schemeClr>
-            </a:gs>
-            <a:gs pos="35000">
-              <a:schemeClr val="phClr">
-                <a:tint val="37000"/>
-                <a:satMod val="300000"/>
-              </a:schemeClr>
-            </a:gs>
-            <a:gs pos="100000">
-              <a:schemeClr val="phClr">
-                <a:tint val="15000"/>
-                <a:satMod val="350000"/>
-              </a:schemeClr>
-            </a:gs>
-          </a:gsLst>
-          <a:lin ang="16200000" scaled="1"/>
-        </a:gradFill>
-        <a:gradFill rotWithShape="1">
-          <a:gsLst>
-            <a:gs pos="0">
-              <a:schemeClr val="phClr">
-                <a:tint val="100000"/>
-                <a:shade val="100000"/>
-                <a:satMod val="130000"/>
-              </a:schemeClr>
-            </a:gs>
-            <a:gs pos="100000">
-              <a:schemeClr val="phClr">
-                <a:tint val="50000"/>
-                <a:shade val="100000"/>
-                <a:satMod val="350000"/>
-              </a:schemeClr>
-            </a:gs>
-          </a:gsLst>
-          <a:lin ang="16200000" scaled="0"/>
-        </a:gradFill>
-      </a:fillStyleLst>
-      <a:lnStyleLst>
-        <a:ln w="9525" cap="flat" cmpd="sng" algn="ctr">
-          <a:solidFill>
-            <a:schemeClr val="phClr">
-              <a:shade val="95000"/>
-              <a:satMod val="105000"/>
-            </a:schemeClr>
-          </a:solidFill>
-          <a:prstDash val="solid"/>
-        </a:ln>
-        <a:ln w="25400" cap="flat" cmpd="sng" algn="ctr">
-          <a:solidFill>
-            <a:schemeClr val="phClr"/>
-          </a:solidFill>
-          <a:prstDash val="solid"/>
-        </a:ln>
-        <a:ln w="38100" cap="flat" cmpd="sng" algn="ctr">
-          <a:solidFill>
-            <a:schemeClr val="phClr"/>
-          </a:solidFill>
-          <a:prstDash val="solid"/>
-        </a:ln>
-      </a:lnStyleLst>
-      <a:effectStyleLst>
-        <a:effectStyle>
-          <a:effectLst>
-            <a:outerShdw blurRad="40000" dist="20000" dir="5400000" rotWithShape="0">
-              <a:srgbClr val="000000">
-                <a:alpha val="38000"/>
-              </a:srgbClr>
-            </a:outerShdw>
-          </a:effectLst>
-        </a:effectStyle>
-        <a:effectStyle>
-          <a:effectLst>
-            <a:outerShdw blurRad="40000" dist="23000" dir="5400000" rotWithShape="0">
-              <a:srgbClr val="000000">
-                <a:alpha val="35000"/>
-              </a:srgbClr>
-            </a:outerShdw>
-          </a:effectLst>
-        </a:effectStyle>
-        <a:effectStyle>
-          <a:effectLst>
-            <a:outerShdw blurRad="40000" dist="23000" dir="5400000" rotWithShape="0">
-              <a:srgbClr val="000000">
-                <a:alpha val="35000"/>
-              </a:srgbClr>
-            </a:outerShdw>
-          </a:effectLst>
-          <a:scene3d>
-            <a:camera prst="orthographicFront">
-              <a:rot lat="0" lon="0" rev="0"/>
-            </a:camera>
-            <a:lightRig rig="threePt" dir="t">
-              <a:rot lat="0" lon="0" rev="1200000"/>
-            </a:lightRig>
-          </a:scene3d>
-          <a:sp3d>
-            <a:bevelT w="63500" h="25400"/>
-          </a:sp3d>
-        </a:effectStyle>
-      </a:effectStyleLst>
-      <a:bgFillStyleLst>
-        <a:solidFill>
-          <a:schemeClr val="phClr"/>
-        </a:solidFill>
-        <a:gradFill rotWithShape="1">
-          <a:gsLst>
-            <a:gs pos="0">
-              <a:schemeClr val="phClr">
-                <a:tint val="40000"/>
-                <a:satMod val="350000"/>
-              </a:schemeClr>
-            </a:gs>
-            <a:gs pos="40000">
-              <a:schemeClr val="phClr">
-                <a:tint val="45000"/>
-                <a:shade val="99000"/>
-                <a:satMod val="350000"/>
-              </a:schemeClr>
-            </a:gs>
-            <a:gs pos="100000">
-              <a:schemeClr val="phClr">
-                <a:shade val="20000"/>
-                <a:satMod val="255000"/>
-              </a:schemeClr>
-            </a:gs>
-          </a:gsLst>
-          <a:path path="circle">
-            <a:fillToRect l="50000" t="-80000" r="50000" b="180000"/>
-          </a:path>
-        </a:gradFill>
-        <a:gradFill rotWithShape="1">
-          <a:gsLst>
-            <a:gs pos="0">
-              <a:schemeClr val="phClr">
-                <a:tint val="80000"/>
-                <a:satMod val="300000"/>
-              </a:schemeClr>
-            </a:gs>
-            <a:gs pos="100000">
-              <a:schemeClr val="phClr">
-                <a:shade val="30000"/>
-                <a:satMod val="200000"/>
-              </a:schemeClr>
-            </a:gs>
-          </a:gsLst>
-          <a:path path="circle">
-            <a:fillToRect l="50000" t="50000" r="50000" b="50000"/>
-          </a:path>
-        </a:gradFill>
-      </a:bgFillStyleLst>
-    </a:fmtScheme>
-  </a:themeElements>
-</a:theme>
 </file>